--- a/Presentation.pptx
+++ b/Presentation.pptx
@@ -4,14 +4,16 @@
   <p:sldMasterIdLst>
     <p:sldMasterId id="2147483826" r:id="rId4"/>
   </p:sldMasterIdLst>
+  <p:notesMasterIdLst>
+    <p:notesMasterId r:id="rId11"/>
+  </p:notesMasterIdLst>
   <p:sldIdLst>
     <p:sldId id="256" r:id="rId5"/>
     <p:sldId id="257" r:id="rId6"/>
-    <p:sldId id="258" r:id="rId7"/>
-    <p:sldId id="259" r:id="rId8"/>
-    <p:sldId id="260" r:id="rId9"/>
-    <p:sldId id="261" r:id="rId10"/>
-    <p:sldId id="262" r:id="rId11"/>
+    <p:sldId id="259" r:id="rId7"/>
+    <p:sldId id="262" r:id="rId8"/>
+    <p:sldId id="264" r:id="rId9"/>
+    <p:sldId id="265" r:id="rId10"/>
   </p:sldIdLst>
   <p:sldSz cx="12192000" cy="6858000"/>
   <p:notesSz cx="6858000" cy="9144000"/>
@@ -1329,6 +1331,828 @@
 </pc:chgInfo>
 </file>
 
+<file path=ppt/notesMasters/notesMaster1.xml><?xml version="1.0" encoding="utf-8"?>
+<p:notesMaster xmlns:a="http://schemas.openxmlformats.org/drawingml/2006/main" xmlns:r="http://schemas.openxmlformats.org/officeDocument/2006/relationships" xmlns:p="http://schemas.openxmlformats.org/presentationml/2006/main">
+  <p:cSld>
+    <p:bg>
+      <p:bgRef idx="1001">
+        <a:schemeClr val="bg1"/>
+      </p:bgRef>
+    </p:bg>
+    <p:spTree>
+      <p:nvGrpSpPr>
+        <p:cNvPr id="1" name=""/>
+        <p:cNvGrpSpPr/>
+        <p:nvPr/>
+      </p:nvGrpSpPr>
+      <p:grpSpPr>
+        <a:xfrm>
+          <a:off x="0" y="0"/>
+          <a:ext cx="0" cy="0"/>
+          <a:chOff x="0" y="0"/>
+          <a:chExt cx="0" cy="0"/>
+        </a:xfrm>
+      </p:grpSpPr>
+      <p:sp>
+        <p:nvSpPr>
+          <p:cNvPr id="2" name="Élőfej helye 1"/>
+          <p:cNvSpPr>
+            <a:spLocks noGrp="1"/>
+          </p:cNvSpPr>
+          <p:nvPr>
+            <p:ph type="hdr" sz="quarter"/>
+          </p:nvPr>
+        </p:nvSpPr>
+        <p:spPr>
+          <a:xfrm>
+            <a:off x="0" y="0"/>
+            <a:ext cx="2971800" cy="458788"/>
+          </a:xfrm>
+          <a:prstGeom prst="rect">
+            <a:avLst/>
+          </a:prstGeom>
+        </p:spPr>
+        <p:txBody>
+          <a:bodyPr vert="horz" lIns="91440" tIns="45720" rIns="91440" bIns="45720" rtlCol="0"/>
+          <a:lstStyle>
+            <a:lvl1pPr algn="l">
+              <a:defRPr sz="1200"/>
+            </a:lvl1pPr>
+          </a:lstStyle>
+          <a:p>
+            <a:endParaRPr lang="hu-HU"/>
+          </a:p>
+        </p:txBody>
+      </p:sp>
+      <p:sp>
+        <p:nvSpPr>
+          <p:cNvPr id="3" name="Dátum helye 2"/>
+          <p:cNvSpPr>
+            <a:spLocks noGrp="1"/>
+          </p:cNvSpPr>
+          <p:nvPr>
+            <p:ph type="dt" idx="1"/>
+          </p:nvPr>
+        </p:nvSpPr>
+        <p:spPr>
+          <a:xfrm>
+            <a:off x="3884613" y="0"/>
+            <a:ext cx="2971800" cy="458788"/>
+          </a:xfrm>
+          <a:prstGeom prst="rect">
+            <a:avLst/>
+          </a:prstGeom>
+        </p:spPr>
+        <p:txBody>
+          <a:bodyPr vert="horz" lIns="91440" tIns="45720" rIns="91440" bIns="45720" rtlCol="0"/>
+          <a:lstStyle>
+            <a:lvl1pPr algn="r">
+              <a:defRPr sz="1200"/>
+            </a:lvl1pPr>
+          </a:lstStyle>
+          <a:p>
+            <a:fld id="{8E2AE0B7-5C2C-4325-98D0-0C245F20B5AB}" type="datetimeFigureOut">
+              <a:rPr lang="hu-HU" smtClean="0"/>
+              <a:t>2023.06.02.</a:t>
+            </a:fld>
+            <a:endParaRPr lang="hu-HU"/>
+          </a:p>
+        </p:txBody>
+      </p:sp>
+      <p:sp>
+        <p:nvSpPr>
+          <p:cNvPr id="4" name="Diakép helye 3"/>
+          <p:cNvSpPr>
+            <a:spLocks noGrp="1" noRot="1" noChangeAspect="1"/>
+          </p:cNvSpPr>
+          <p:nvPr>
+            <p:ph type="sldImg" idx="2"/>
+          </p:nvPr>
+        </p:nvSpPr>
+        <p:spPr>
+          <a:xfrm>
+            <a:off x="685800" y="1143000"/>
+            <a:ext cx="5486400" cy="3086100"/>
+          </a:xfrm>
+          <a:prstGeom prst="rect">
+            <a:avLst/>
+          </a:prstGeom>
+          <a:noFill/>
+          <a:ln w="12700">
+            <a:solidFill>
+              <a:prstClr val="black"/>
+            </a:solidFill>
+          </a:ln>
+        </p:spPr>
+        <p:txBody>
+          <a:bodyPr vert="horz" lIns="91440" tIns="45720" rIns="91440" bIns="45720" rtlCol="0" anchor="ctr"/>
+          <a:lstStyle/>
+          <a:p>
+            <a:endParaRPr lang="hu-HU"/>
+          </a:p>
+        </p:txBody>
+      </p:sp>
+      <p:sp>
+        <p:nvSpPr>
+          <p:cNvPr id="5" name="Jegyzetek helye 4"/>
+          <p:cNvSpPr>
+            <a:spLocks noGrp="1"/>
+          </p:cNvSpPr>
+          <p:nvPr>
+            <p:ph type="body" sz="quarter" idx="3"/>
+          </p:nvPr>
+        </p:nvSpPr>
+        <p:spPr>
+          <a:xfrm>
+            <a:off x="685800" y="4400550"/>
+            <a:ext cx="5486400" cy="3600450"/>
+          </a:xfrm>
+          <a:prstGeom prst="rect">
+            <a:avLst/>
+          </a:prstGeom>
+        </p:spPr>
+        <p:txBody>
+          <a:bodyPr vert="horz" lIns="91440" tIns="45720" rIns="91440" bIns="45720" rtlCol="0"/>
+          <a:lstStyle/>
+          <a:p>
+            <a:pPr lvl="0"/>
+            <a:r>
+              <a:rPr lang="hu-HU"/>
+              <a:t>Mintaszöveg szerkesztése</a:t>
+            </a:r>
+          </a:p>
+          <a:p>
+            <a:pPr lvl="1"/>
+            <a:r>
+              <a:rPr lang="hu-HU"/>
+              <a:t>Második szint</a:t>
+            </a:r>
+          </a:p>
+          <a:p>
+            <a:pPr lvl="2"/>
+            <a:r>
+              <a:rPr lang="hu-HU"/>
+              <a:t>Harmadik szint</a:t>
+            </a:r>
+          </a:p>
+          <a:p>
+            <a:pPr lvl="3"/>
+            <a:r>
+              <a:rPr lang="hu-HU"/>
+              <a:t>Negyedik szint</a:t>
+            </a:r>
+          </a:p>
+          <a:p>
+            <a:pPr lvl="4"/>
+            <a:r>
+              <a:rPr lang="hu-HU"/>
+              <a:t>Ötödik szint</a:t>
+            </a:r>
+          </a:p>
+        </p:txBody>
+      </p:sp>
+      <p:sp>
+        <p:nvSpPr>
+          <p:cNvPr id="6" name="Élőláb helye 5"/>
+          <p:cNvSpPr>
+            <a:spLocks noGrp="1"/>
+          </p:cNvSpPr>
+          <p:nvPr>
+            <p:ph type="ftr" sz="quarter" idx="4"/>
+          </p:nvPr>
+        </p:nvSpPr>
+        <p:spPr>
+          <a:xfrm>
+            <a:off x="0" y="8685213"/>
+            <a:ext cx="2971800" cy="458787"/>
+          </a:xfrm>
+          <a:prstGeom prst="rect">
+            <a:avLst/>
+          </a:prstGeom>
+        </p:spPr>
+        <p:txBody>
+          <a:bodyPr vert="horz" lIns="91440" tIns="45720" rIns="91440" bIns="45720" rtlCol="0" anchor="b"/>
+          <a:lstStyle>
+            <a:lvl1pPr algn="l">
+              <a:defRPr sz="1200"/>
+            </a:lvl1pPr>
+          </a:lstStyle>
+          <a:p>
+            <a:endParaRPr lang="hu-HU"/>
+          </a:p>
+        </p:txBody>
+      </p:sp>
+      <p:sp>
+        <p:nvSpPr>
+          <p:cNvPr id="7" name="Dia számának helye 6"/>
+          <p:cNvSpPr>
+            <a:spLocks noGrp="1"/>
+          </p:cNvSpPr>
+          <p:nvPr>
+            <p:ph type="sldNum" sz="quarter" idx="5"/>
+          </p:nvPr>
+        </p:nvSpPr>
+        <p:spPr>
+          <a:xfrm>
+            <a:off x="3884613" y="8685213"/>
+            <a:ext cx="2971800" cy="458787"/>
+          </a:xfrm>
+          <a:prstGeom prst="rect">
+            <a:avLst/>
+          </a:prstGeom>
+        </p:spPr>
+        <p:txBody>
+          <a:bodyPr vert="horz" lIns="91440" tIns="45720" rIns="91440" bIns="45720" rtlCol="0" anchor="b"/>
+          <a:lstStyle>
+            <a:lvl1pPr algn="r">
+              <a:defRPr sz="1200"/>
+            </a:lvl1pPr>
+          </a:lstStyle>
+          <a:p>
+            <a:fld id="{B6EC333D-8952-4EC1-8D8A-2A968D3454CB}" type="slidenum">
+              <a:rPr lang="hu-HU" smtClean="0"/>
+              <a:t>‹#›</a:t>
+            </a:fld>
+            <a:endParaRPr lang="hu-HU"/>
+          </a:p>
+        </p:txBody>
+      </p:sp>
+    </p:spTree>
+    <p:extLst>
+      <p:ext uri="{BB962C8B-B14F-4D97-AF65-F5344CB8AC3E}">
+        <p14:creationId xmlns:p14="http://schemas.microsoft.com/office/powerpoint/2010/main" val="3951322499"/>
+      </p:ext>
+    </p:extLst>
+  </p:cSld>
+  <p:clrMap bg1="lt1" tx1="dk1" bg2="lt2" tx2="dk2" accent1="accent1" accent2="accent2" accent3="accent3" accent4="accent4" accent5="accent5" accent6="accent6" hlink="hlink" folHlink="folHlink"/>
+  <p:notesStyle>
+    <a:lvl1pPr marL="0" algn="l" defTabSz="914400" rtl="0" eaLnBrk="1" latinLnBrk="0" hangingPunct="1">
+      <a:defRPr sz="1200" kern="1200">
+        <a:solidFill>
+          <a:schemeClr val="tx1"/>
+        </a:solidFill>
+        <a:latin typeface="+mn-lt"/>
+        <a:ea typeface="+mn-ea"/>
+        <a:cs typeface="+mn-cs"/>
+      </a:defRPr>
+    </a:lvl1pPr>
+    <a:lvl2pPr marL="457200" algn="l" defTabSz="914400" rtl="0" eaLnBrk="1" latinLnBrk="0" hangingPunct="1">
+      <a:defRPr sz="1200" kern="1200">
+        <a:solidFill>
+          <a:schemeClr val="tx1"/>
+        </a:solidFill>
+        <a:latin typeface="+mn-lt"/>
+        <a:ea typeface="+mn-ea"/>
+        <a:cs typeface="+mn-cs"/>
+      </a:defRPr>
+    </a:lvl2pPr>
+    <a:lvl3pPr marL="914400" algn="l" defTabSz="914400" rtl="0" eaLnBrk="1" latinLnBrk="0" hangingPunct="1">
+      <a:defRPr sz="1200" kern="1200">
+        <a:solidFill>
+          <a:schemeClr val="tx1"/>
+        </a:solidFill>
+        <a:latin typeface="+mn-lt"/>
+        <a:ea typeface="+mn-ea"/>
+        <a:cs typeface="+mn-cs"/>
+      </a:defRPr>
+    </a:lvl3pPr>
+    <a:lvl4pPr marL="1371600" algn="l" defTabSz="914400" rtl="0" eaLnBrk="1" latinLnBrk="0" hangingPunct="1">
+      <a:defRPr sz="1200" kern="1200">
+        <a:solidFill>
+          <a:schemeClr val="tx1"/>
+        </a:solidFill>
+        <a:latin typeface="+mn-lt"/>
+        <a:ea typeface="+mn-ea"/>
+        <a:cs typeface="+mn-cs"/>
+      </a:defRPr>
+    </a:lvl4pPr>
+    <a:lvl5pPr marL="1828800" algn="l" defTabSz="914400" rtl="0" eaLnBrk="1" latinLnBrk="0" hangingPunct="1">
+      <a:defRPr sz="1200" kern="1200">
+        <a:solidFill>
+          <a:schemeClr val="tx1"/>
+        </a:solidFill>
+        <a:latin typeface="+mn-lt"/>
+        <a:ea typeface="+mn-ea"/>
+        <a:cs typeface="+mn-cs"/>
+      </a:defRPr>
+    </a:lvl5pPr>
+    <a:lvl6pPr marL="2286000" algn="l" defTabSz="914400" rtl="0" eaLnBrk="1" latinLnBrk="0" hangingPunct="1">
+      <a:defRPr sz="1200" kern="1200">
+        <a:solidFill>
+          <a:schemeClr val="tx1"/>
+        </a:solidFill>
+        <a:latin typeface="+mn-lt"/>
+        <a:ea typeface="+mn-ea"/>
+        <a:cs typeface="+mn-cs"/>
+      </a:defRPr>
+    </a:lvl6pPr>
+    <a:lvl7pPr marL="2743200" algn="l" defTabSz="914400" rtl="0" eaLnBrk="1" latinLnBrk="0" hangingPunct="1">
+      <a:defRPr sz="1200" kern="1200">
+        <a:solidFill>
+          <a:schemeClr val="tx1"/>
+        </a:solidFill>
+        <a:latin typeface="+mn-lt"/>
+        <a:ea typeface="+mn-ea"/>
+        <a:cs typeface="+mn-cs"/>
+      </a:defRPr>
+    </a:lvl7pPr>
+    <a:lvl8pPr marL="3200400" algn="l" defTabSz="914400" rtl="0" eaLnBrk="1" latinLnBrk="0" hangingPunct="1">
+      <a:defRPr sz="1200" kern="1200">
+        <a:solidFill>
+          <a:schemeClr val="tx1"/>
+        </a:solidFill>
+        <a:latin typeface="+mn-lt"/>
+        <a:ea typeface="+mn-ea"/>
+        <a:cs typeface="+mn-cs"/>
+      </a:defRPr>
+    </a:lvl8pPr>
+    <a:lvl9pPr marL="3657600" algn="l" defTabSz="914400" rtl="0" eaLnBrk="1" latinLnBrk="0" hangingPunct="1">
+      <a:defRPr sz="1200" kern="1200">
+        <a:solidFill>
+          <a:schemeClr val="tx1"/>
+        </a:solidFill>
+        <a:latin typeface="+mn-lt"/>
+        <a:ea typeface="+mn-ea"/>
+        <a:cs typeface="+mn-cs"/>
+      </a:defRPr>
+    </a:lvl9pPr>
+  </p:notesStyle>
+</p:notesMaster>
+</file>
+
+<file path=ppt/notesSlides/notesSlide1.xml><?xml version="1.0" encoding="utf-8"?>
+<p:notes xmlns:a="http://schemas.openxmlformats.org/drawingml/2006/main" xmlns:r="http://schemas.openxmlformats.org/officeDocument/2006/relationships" xmlns:p="http://schemas.openxmlformats.org/presentationml/2006/main">
+  <p:cSld>
+    <p:spTree>
+      <p:nvGrpSpPr>
+        <p:cNvPr id="1" name=""/>
+        <p:cNvGrpSpPr/>
+        <p:nvPr/>
+      </p:nvGrpSpPr>
+      <p:grpSpPr>
+        <a:xfrm>
+          <a:off x="0" y="0"/>
+          <a:ext cx="0" cy="0"/>
+          <a:chOff x="0" y="0"/>
+          <a:chExt cx="0" cy="0"/>
+        </a:xfrm>
+      </p:grpSpPr>
+      <p:sp>
+        <p:nvSpPr>
+          <p:cNvPr id="2" name="Diakép helye 1"/>
+          <p:cNvSpPr>
+            <a:spLocks noGrp="1" noRot="1" noChangeAspect="1"/>
+          </p:cNvSpPr>
+          <p:nvPr>
+            <p:ph type="sldImg"/>
+          </p:nvPr>
+        </p:nvSpPr>
+        <p:spPr/>
+      </p:sp>
+      <p:sp>
+        <p:nvSpPr>
+          <p:cNvPr id="3" name="Jegyzetek helye 2"/>
+          <p:cNvSpPr>
+            <a:spLocks noGrp="1"/>
+          </p:cNvSpPr>
+          <p:nvPr>
+            <p:ph type="body" idx="1"/>
+          </p:nvPr>
+        </p:nvSpPr>
+        <p:spPr/>
+        <p:txBody>
+          <a:bodyPr/>
+          <a:lstStyle/>
+          <a:p>
+            <a:r>
+              <a:rPr lang="hu-HU" dirty="0" err="1"/>
+              <a:t>Kazai</a:t>
+            </a:r>
+            <a:r>
+              <a:rPr lang="hu-HU" dirty="0"/>
+              <a:t> Bencének hívnak :D</a:t>
+            </a:r>
+          </a:p>
+        </p:txBody>
+      </p:sp>
+      <p:sp>
+        <p:nvSpPr>
+          <p:cNvPr id="4" name="Dia számának helye 3"/>
+          <p:cNvSpPr>
+            <a:spLocks noGrp="1"/>
+          </p:cNvSpPr>
+          <p:nvPr>
+            <p:ph type="sldNum" sz="quarter" idx="5"/>
+          </p:nvPr>
+        </p:nvSpPr>
+        <p:spPr/>
+        <p:txBody>
+          <a:bodyPr/>
+          <a:lstStyle/>
+          <a:p>
+            <a:fld id="{B6EC333D-8952-4EC1-8D8A-2A968D3454CB}" type="slidenum">
+              <a:rPr lang="hu-HU" smtClean="0"/>
+              <a:t>1</a:t>
+            </a:fld>
+            <a:endParaRPr lang="hu-HU"/>
+          </a:p>
+        </p:txBody>
+      </p:sp>
+    </p:spTree>
+    <p:extLst>
+      <p:ext uri="{BB962C8B-B14F-4D97-AF65-F5344CB8AC3E}">
+        <p14:creationId xmlns:p14="http://schemas.microsoft.com/office/powerpoint/2010/main" val="3585931371"/>
+      </p:ext>
+    </p:extLst>
+  </p:cSld>
+  <p:clrMapOvr>
+    <a:masterClrMapping/>
+  </p:clrMapOvr>
+</p:notes>
+</file>
+
+<file path=ppt/notesSlides/notesSlide2.xml><?xml version="1.0" encoding="utf-8"?>
+<p:notes xmlns:a="http://schemas.openxmlformats.org/drawingml/2006/main" xmlns:r="http://schemas.openxmlformats.org/officeDocument/2006/relationships" xmlns:p="http://schemas.openxmlformats.org/presentationml/2006/main">
+  <p:cSld>
+    <p:spTree>
+      <p:nvGrpSpPr>
+        <p:cNvPr id="1" name=""/>
+        <p:cNvGrpSpPr/>
+        <p:nvPr/>
+      </p:nvGrpSpPr>
+      <p:grpSpPr>
+        <a:xfrm>
+          <a:off x="0" y="0"/>
+          <a:ext cx="0" cy="0"/>
+          <a:chOff x="0" y="0"/>
+          <a:chExt cx="0" cy="0"/>
+        </a:xfrm>
+      </p:grpSpPr>
+      <p:sp>
+        <p:nvSpPr>
+          <p:cNvPr id="2" name="Diakép helye 1"/>
+          <p:cNvSpPr>
+            <a:spLocks noGrp="1" noRot="1" noChangeAspect="1"/>
+          </p:cNvSpPr>
+          <p:nvPr>
+            <p:ph type="sldImg"/>
+          </p:nvPr>
+        </p:nvSpPr>
+        <p:spPr/>
+      </p:sp>
+      <p:sp>
+        <p:nvSpPr>
+          <p:cNvPr id="3" name="Jegyzetek helye 2"/>
+          <p:cNvSpPr>
+            <a:spLocks noGrp="1"/>
+          </p:cNvSpPr>
+          <p:nvPr>
+            <p:ph type="body" idx="1"/>
+          </p:nvPr>
+        </p:nvSpPr>
+        <p:spPr/>
+        <p:txBody>
+          <a:bodyPr/>
+          <a:lstStyle/>
+          <a:p>
+            <a:r>
+              <a:rPr lang="hu-HU" dirty="0"/>
+              <a:t>Adatbáziskezeléshez </a:t>
+            </a:r>
+            <a:r>
+              <a:rPr lang="hu-HU" dirty="0" err="1"/>
+              <a:t>MySql</a:t>
+            </a:r>
+            <a:r>
+              <a:rPr lang="hu-HU" dirty="0"/>
+              <a:t>-t használtam</a:t>
+            </a:r>
+          </a:p>
+          <a:p>
+            <a:r>
+              <a:rPr lang="hu-HU" dirty="0"/>
+              <a:t>A </a:t>
+            </a:r>
+            <a:r>
+              <a:rPr lang="hu-HU" dirty="0" err="1"/>
+              <a:t>githubon</a:t>
+            </a:r>
+            <a:r>
+              <a:rPr lang="hu-HU" dirty="0"/>
+              <a:t> dolgoztam</a:t>
+            </a:r>
+          </a:p>
+          <a:p>
+            <a:r>
+              <a:rPr lang="hu-HU" dirty="0"/>
+              <a:t>Vue.js klienst használtam</a:t>
+            </a:r>
+          </a:p>
+        </p:txBody>
+      </p:sp>
+      <p:sp>
+        <p:nvSpPr>
+          <p:cNvPr id="4" name="Dia számának helye 3"/>
+          <p:cNvSpPr>
+            <a:spLocks noGrp="1"/>
+          </p:cNvSpPr>
+          <p:nvPr>
+            <p:ph type="sldNum" sz="quarter" idx="5"/>
+          </p:nvPr>
+        </p:nvSpPr>
+        <p:spPr/>
+        <p:txBody>
+          <a:bodyPr/>
+          <a:lstStyle/>
+          <a:p>
+            <a:fld id="{B6EC333D-8952-4EC1-8D8A-2A968D3454CB}" type="slidenum">
+              <a:rPr lang="hu-HU" smtClean="0"/>
+              <a:t>2</a:t>
+            </a:fld>
+            <a:endParaRPr lang="hu-HU"/>
+          </a:p>
+        </p:txBody>
+      </p:sp>
+    </p:spTree>
+    <p:extLst>
+      <p:ext uri="{BB962C8B-B14F-4D97-AF65-F5344CB8AC3E}">
+        <p14:creationId xmlns:p14="http://schemas.microsoft.com/office/powerpoint/2010/main" val="3720517329"/>
+      </p:ext>
+    </p:extLst>
+  </p:cSld>
+  <p:clrMapOvr>
+    <a:masterClrMapping/>
+  </p:clrMapOvr>
+</p:notes>
+</file>
+
+<file path=ppt/notesSlides/notesSlide3.xml><?xml version="1.0" encoding="utf-8"?>
+<p:notes xmlns:a="http://schemas.openxmlformats.org/drawingml/2006/main" xmlns:r="http://schemas.openxmlformats.org/officeDocument/2006/relationships" xmlns:p="http://schemas.openxmlformats.org/presentationml/2006/main">
+  <p:cSld>
+    <p:spTree>
+      <p:nvGrpSpPr>
+        <p:cNvPr id="1" name=""/>
+        <p:cNvGrpSpPr/>
+        <p:nvPr/>
+      </p:nvGrpSpPr>
+      <p:grpSpPr>
+        <a:xfrm>
+          <a:off x="0" y="0"/>
+          <a:ext cx="0" cy="0"/>
+          <a:chOff x="0" y="0"/>
+          <a:chExt cx="0" cy="0"/>
+        </a:xfrm>
+      </p:grpSpPr>
+      <p:sp>
+        <p:nvSpPr>
+          <p:cNvPr id="2" name="Diakép helye 1"/>
+          <p:cNvSpPr>
+            <a:spLocks noGrp="1" noRot="1" noChangeAspect="1"/>
+          </p:cNvSpPr>
+          <p:nvPr>
+            <p:ph type="sldImg"/>
+          </p:nvPr>
+        </p:nvSpPr>
+        <p:spPr/>
+      </p:sp>
+      <p:sp>
+        <p:nvSpPr>
+          <p:cNvPr id="3" name="Jegyzetek helye 2"/>
+          <p:cNvSpPr>
+            <a:spLocks noGrp="1"/>
+          </p:cNvSpPr>
+          <p:nvPr>
+            <p:ph type="body" idx="1"/>
+          </p:nvPr>
+        </p:nvSpPr>
+        <p:spPr/>
+        <p:txBody>
+          <a:bodyPr/>
+          <a:lstStyle/>
+          <a:p>
+            <a:r>
+              <a:rPr lang="hu-HU" dirty="0"/>
+              <a:t>Amikor rá megyünk a részletek-re akkor megnézhetjük az a közreműködőket</a:t>
+            </a:r>
+          </a:p>
+          <a:p>
+            <a:r>
+              <a:rPr lang="hu-HU" dirty="0"/>
+              <a:t>Gyűjtőmunka</a:t>
+            </a:r>
+          </a:p>
+        </p:txBody>
+      </p:sp>
+      <p:sp>
+        <p:nvSpPr>
+          <p:cNvPr id="4" name="Dia számának helye 3"/>
+          <p:cNvSpPr>
+            <a:spLocks noGrp="1"/>
+          </p:cNvSpPr>
+          <p:nvPr>
+            <p:ph type="sldNum" sz="quarter" idx="5"/>
+          </p:nvPr>
+        </p:nvSpPr>
+        <p:spPr/>
+        <p:txBody>
+          <a:bodyPr/>
+          <a:lstStyle/>
+          <a:p>
+            <a:fld id="{B6EC333D-8952-4EC1-8D8A-2A968D3454CB}" type="slidenum">
+              <a:rPr lang="hu-HU" smtClean="0"/>
+              <a:t>3</a:t>
+            </a:fld>
+            <a:endParaRPr lang="hu-HU"/>
+          </a:p>
+        </p:txBody>
+      </p:sp>
+    </p:spTree>
+    <p:extLst>
+      <p:ext uri="{BB962C8B-B14F-4D97-AF65-F5344CB8AC3E}">
+        <p14:creationId xmlns:p14="http://schemas.microsoft.com/office/powerpoint/2010/main" val="774900507"/>
+      </p:ext>
+    </p:extLst>
+  </p:cSld>
+  <p:clrMapOvr>
+    <a:masterClrMapping/>
+  </p:clrMapOvr>
+</p:notes>
+</file>
+
+<file path=ppt/notesSlides/notesSlide4.xml><?xml version="1.0" encoding="utf-8"?>
+<p:notes xmlns:a="http://schemas.openxmlformats.org/drawingml/2006/main" xmlns:r="http://schemas.openxmlformats.org/officeDocument/2006/relationships" xmlns:p="http://schemas.openxmlformats.org/presentationml/2006/main">
+  <p:cSld>
+    <p:spTree>
+      <p:nvGrpSpPr>
+        <p:cNvPr id="1" name=""/>
+        <p:cNvGrpSpPr/>
+        <p:nvPr/>
+      </p:nvGrpSpPr>
+      <p:grpSpPr>
+        <a:xfrm>
+          <a:off x="0" y="0"/>
+          <a:ext cx="0" cy="0"/>
+          <a:chOff x="0" y="0"/>
+          <a:chExt cx="0" cy="0"/>
+        </a:xfrm>
+      </p:grpSpPr>
+      <p:sp>
+        <p:nvSpPr>
+          <p:cNvPr id="2" name="Diakép helye 1"/>
+          <p:cNvSpPr>
+            <a:spLocks noGrp="1" noRot="1" noChangeAspect="1"/>
+          </p:cNvSpPr>
+          <p:nvPr>
+            <p:ph type="sldImg"/>
+          </p:nvPr>
+        </p:nvSpPr>
+        <p:spPr/>
+      </p:sp>
+      <p:sp>
+        <p:nvSpPr>
+          <p:cNvPr id="3" name="Jegyzetek helye 2"/>
+          <p:cNvSpPr>
+            <a:spLocks noGrp="1"/>
+          </p:cNvSpPr>
+          <p:nvPr>
+            <p:ph type="body" idx="1"/>
+          </p:nvPr>
+        </p:nvSpPr>
+        <p:spPr/>
+        <p:txBody>
+          <a:bodyPr/>
+          <a:lstStyle/>
+          <a:p>
+            <a:r>
+              <a:rPr lang="hu-HU" dirty="0"/>
+              <a:t>Az adatbázisba én készen kapott adatokat kaptam szóval egy egyszerű módszert használtam ahhoz hogy felvigyem az adatokat a táblámba</a:t>
+            </a:r>
+          </a:p>
+        </p:txBody>
+      </p:sp>
+      <p:sp>
+        <p:nvSpPr>
+          <p:cNvPr id="4" name="Dia számának helye 3"/>
+          <p:cNvSpPr>
+            <a:spLocks noGrp="1"/>
+          </p:cNvSpPr>
+          <p:nvPr>
+            <p:ph type="sldNum" sz="quarter" idx="5"/>
+          </p:nvPr>
+        </p:nvSpPr>
+        <p:spPr/>
+        <p:txBody>
+          <a:bodyPr/>
+          <a:lstStyle/>
+          <a:p>
+            <a:fld id="{B6EC333D-8952-4EC1-8D8A-2A968D3454CB}" type="slidenum">
+              <a:rPr lang="hu-HU" smtClean="0"/>
+              <a:t>4</a:t>
+            </a:fld>
+            <a:endParaRPr lang="hu-HU"/>
+          </a:p>
+        </p:txBody>
+      </p:sp>
+    </p:spTree>
+    <p:extLst>
+      <p:ext uri="{BB962C8B-B14F-4D97-AF65-F5344CB8AC3E}">
+        <p14:creationId xmlns:p14="http://schemas.microsoft.com/office/powerpoint/2010/main" val="2342264726"/>
+      </p:ext>
+    </p:extLst>
+  </p:cSld>
+  <p:clrMapOvr>
+    <a:masterClrMapping/>
+  </p:clrMapOvr>
+</p:notes>
+</file>
+
+<file path=ppt/notesSlides/notesSlide5.xml><?xml version="1.0" encoding="utf-8"?>
+<p:notes xmlns:a="http://schemas.openxmlformats.org/drawingml/2006/main" xmlns:r="http://schemas.openxmlformats.org/officeDocument/2006/relationships" xmlns:p="http://schemas.openxmlformats.org/presentationml/2006/main">
+  <p:cSld>
+    <p:spTree>
+      <p:nvGrpSpPr>
+        <p:cNvPr id="1" name=""/>
+        <p:cNvGrpSpPr/>
+        <p:nvPr/>
+      </p:nvGrpSpPr>
+      <p:grpSpPr>
+        <a:xfrm>
+          <a:off x="0" y="0"/>
+          <a:ext cx="0" cy="0"/>
+          <a:chOff x="0" y="0"/>
+          <a:chExt cx="0" cy="0"/>
+        </a:xfrm>
+      </p:grpSpPr>
+      <p:sp>
+        <p:nvSpPr>
+          <p:cNvPr id="2" name="Diakép helye 1"/>
+          <p:cNvSpPr>
+            <a:spLocks noGrp="1" noRot="1" noChangeAspect="1"/>
+          </p:cNvSpPr>
+          <p:nvPr>
+            <p:ph type="sldImg"/>
+          </p:nvPr>
+        </p:nvSpPr>
+        <p:spPr/>
+      </p:sp>
+      <p:sp>
+        <p:nvSpPr>
+          <p:cNvPr id="3" name="Jegyzetek helye 2"/>
+          <p:cNvSpPr>
+            <a:spLocks noGrp="1"/>
+          </p:cNvSpPr>
+          <p:nvPr>
+            <p:ph type="body" idx="1"/>
+          </p:nvPr>
+        </p:nvSpPr>
+        <p:spPr/>
+        <p:txBody>
+          <a:bodyPr/>
+          <a:lstStyle/>
+          <a:p>
+            <a:r>
+              <a:rPr lang="hu-HU" dirty="0"/>
+              <a:t>A kód amit kiemelnék az a leglátványosabb amikor ugye filmek a közreműködőit elővesszük</a:t>
+            </a:r>
+          </a:p>
+        </p:txBody>
+      </p:sp>
+      <p:sp>
+        <p:nvSpPr>
+          <p:cNvPr id="4" name="Dia számának helye 3"/>
+          <p:cNvSpPr>
+            <a:spLocks noGrp="1"/>
+          </p:cNvSpPr>
+          <p:nvPr>
+            <p:ph type="sldNum" sz="quarter" idx="5"/>
+          </p:nvPr>
+        </p:nvSpPr>
+        <p:spPr/>
+        <p:txBody>
+          <a:bodyPr/>
+          <a:lstStyle/>
+          <a:p>
+            <a:fld id="{B6EC333D-8952-4EC1-8D8A-2A968D3454CB}" type="slidenum">
+              <a:rPr lang="hu-HU" smtClean="0"/>
+              <a:t>5</a:t>
+            </a:fld>
+            <a:endParaRPr lang="hu-HU"/>
+          </a:p>
+        </p:txBody>
+      </p:sp>
+    </p:spTree>
+    <p:extLst>
+      <p:ext uri="{BB962C8B-B14F-4D97-AF65-F5344CB8AC3E}">
+        <p14:creationId xmlns:p14="http://schemas.microsoft.com/office/powerpoint/2010/main" val="2841194960"/>
+      </p:ext>
+    </p:extLst>
+  </p:cSld>
+  <p:clrMapOvr>
+    <a:masterClrMapping/>
+  </p:clrMapOvr>
+</p:notes>
+</file>
+
 <file path=ppt/slideLayouts/slideLayout1.xml><?xml version="1.0" encoding="utf-8"?>
 <p:sldLayout xmlns:a="http://schemas.openxmlformats.org/drawingml/2006/main" xmlns:r="http://schemas.openxmlformats.org/officeDocument/2006/relationships" xmlns:p="http://schemas.openxmlformats.org/presentationml/2006/main" showMasterSp="0" type="title" preserve="1">
   <p:cSld name="Title Slide">
@@ -1491,7 +2315,7 @@
           <a:p>
             <a:fld id="{E6171E64-FE02-4DE5-B72F-53C3706641C3}" type="datetimeFigureOut">
               <a:rPr lang="en-US" smtClean="0"/>
-              <a:t>5/9/2023</a:t>
+              <a:t>6/2/2023</a:t>
             </a:fld>
             <a:endParaRPr lang="en-US"/>
           </a:p>
@@ -1878,7 +2702,7 @@
           <a:p>
             <a:fld id="{E6171E64-FE02-4DE5-B72F-53C3706641C3}" type="datetimeFigureOut">
               <a:rPr lang="en-US" smtClean="0"/>
-              <a:t>5/9/2023</a:t>
+              <a:t>6/2/2023</a:t>
             </a:fld>
             <a:endParaRPr lang="en-US"/>
           </a:p>
@@ -2271,7 +3095,7 @@
           <a:p>
             <a:fld id="{E6171E64-FE02-4DE5-B72F-53C3706641C3}" type="datetimeFigureOut">
               <a:rPr lang="en-US" smtClean="0"/>
-              <a:t>5/9/2023</a:t>
+              <a:t>6/2/2023</a:t>
             </a:fld>
             <a:endParaRPr lang="en-US"/>
           </a:p>
@@ -2686,7 +3510,7 @@
           <a:p>
             <a:fld id="{E6171E64-FE02-4DE5-B72F-53C3706641C3}" type="datetimeFigureOut">
               <a:rPr lang="en-US" smtClean="0"/>
-              <a:t>5/9/2023</a:t>
+              <a:t>6/2/2023</a:t>
             </a:fld>
             <a:endParaRPr lang="en-US"/>
           </a:p>
@@ -3028,7 +3852,7 @@
           <a:p>
             <a:fld id="{E6171E64-FE02-4DE5-B72F-53C3706641C3}" type="datetimeFigureOut">
               <a:rPr lang="en-US" smtClean="0"/>
-              <a:t>5/9/2023</a:t>
+              <a:t>6/2/2023</a:t>
             </a:fld>
             <a:endParaRPr lang="en-US"/>
           </a:p>
@@ -3352,7 +4176,7 @@
           <a:p>
             <a:fld id="{E6171E64-FE02-4DE5-B72F-53C3706641C3}" type="datetimeFigureOut">
               <a:rPr lang="en-US" smtClean="0"/>
-              <a:t>5/9/2023</a:t>
+              <a:t>6/2/2023</a:t>
             </a:fld>
             <a:endParaRPr lang="en-US"/>
           </a:p>
@@ -3833,7 +4657,7 @@
           <a:p>
             <a:fld id="{E6171E64-FE02-4DE5-B72F-53C3706641C3}" type="datetimeFigureOut">
               <a:rPr lang="en-US" smtClean="0"/>
-              <a:t>5/9/2023</a:t>
+              <a:t>6/2/2023</a:t>
             </a:fld>
             <a:endParaRPr lang="en-US"/>
           </a:p>
@@ -3995,7 +4819,7 @@
           <a:p>
             <a:fld id="{E6171E64-FE02-4DE5-B72F-53C3706641C3}" type="datetimeFigureOut">
               <a:rPr lang="en-US" smtClean="0"/>
-              <a:t>5/9/2023</a:t>
+              <a:t>6/2/2023</a:t>
             </a:fld>
             <a:endParaRPr lang="en-US"/>
           </a:p>
@@ -4108,7 +4932,7 @@
           <a:p>
             <a:fld id="{E6171E64-FE02-4DE5-B72F-53C3706641C3}" type="datetimeFigureOut">
               <a:rPr lang="en-US" smtClean="0"/>
-              <a:t>5/9/2023</a:t>
+              <a:t>6/2/2023</a:t>
             </a:fld>
             <a:endParaRPr lang="en-US"/>
           </a:p>
@@ -4430,7 +5254,7 @@
           <a:p>
             <a:fld id="{E6171E64-FE02-4DE5-B72F-53C3706641C3}" type="datetimeFigureOut">
               <a:rPr lang="en-US" smtClean="0"/>
-              <a:t>5/9/2023</a:t>
+              <a:t>6/2/2023</a:t>
             </a:fld>
             <a:endParaRPr lang="en-US"/>
           </a:p>
@@ -4732,7 +5556,7 @@
           <a:p>
             <a:fld id="{E6171E64-FE02-4DE5-B72F-53C3706641C3}" type="datetimeFigureOut">
               <a:rPr lang="en-US" smtClean="0"/>
-              <a:t>5/9/2023</a:t>
+              <a:t>6/2/2023</a:t>
             </a:fld>
             <a:endParaRPr lang="en-US"/>
           </a:p>
@@ -4973,7 +5797,7 @@
           <a:p>
             <a:fld id="{E6171E64-FE02-4DE5-B72F-53C3706641C3}" type="datetimeFigureOut">
               <a:rPr lang="en-US" smtClean="0"/>
-              <a:t>5/9/2023</a:t>
+              <a:t>6/2/2023</a:t>
             </a:fld>
             <a:endParaRPr lang="en-US"/>
           </a:p>
@@ -5737,7 +6561,7 @@
           <p:nvPr/>
         </p:nvPicPr>
         <p:blipFill rotWithShape="1">
-          <a:blip r:embed="rId2">
+          <a:blip r:embed="rId3">
             <a:alphaModFix amt="50000"/>
           </a:blip>
           <a:srcRect b="15730"/>
@@ -5745,7 +6569,7 @@
         </p:blipFill>
         <p:spPr>
           <a:xfrm>
-            <a:off x="20" y="10"/>
+            <a:off x="-13253" y="0"/>
             <a:ext cx="12191979" cy="6857989"/>
           </a:xfrm>
           <a:prstGeom prst="rect">
@@ -5875,11 +6699,11 @@
             <a:avLst/>
           </a:prstGeom>
           <a:blipFill dpi="0" rotWithShape="1">
-            <a:blip r:embed="rId3">
+            <a:blip r:embed="rId4">
               <a:alphaModFix amt="99000"/>
               <a:extLst>
                 <a:ext uri="{96DAC541-7B7A-43D3-8B79-37D633B846F1}">
-                  <asvg:svgBlip xmlns:asvg="http://schemas.microsoft.com/office/drawing/2016/SVG/main" r:embed="rId4"/>
+                  <asvg:svgBlip xmlns:asvg="http://schemas.microsoft.com/office/drawing/2016/SVG/main" r:embed="rId5"/>
                 </a:ext>
               </a:extLst>
             </a:blip>
@@ -5988,6 +6812,18 @@
   <p:clrMapOvr>
     <a:masterClrMapping/>
   </p:clrMapOvr>
+  <mc:AlternateContent xmlns:mc="http://schemas.openxmlformats.org/markup-compatibility/2006">
+    <mc:Choice xmlns:p14="http://schemas.microsoft.com/office/powerpoint/2010/main" Requires="p14">
+      <p:transition spd="med" p14:dur="700">
+        <p:fade/>
+      </p:transition>
+    </mc:Choice>
+    <mc:Fallback>
+      <p:transition spd="med">
+        <p:fade/>
+      </p:transition>
+    </mc:Fallback>
+  </mc:AlternateContent>
 </p:sld>
 </file>
 
@@ -6023,7 +6859,7 @@
           <p:nvPr/>
         </p:nvPicPr>
         <p:blipFill rotWithShape="1">
-          <a:blip r:embed="rId2"/>
+          <a:blip r:embed="rId3"/>
           <a:srcRect b="15730"/>
           <a:stretch/>
         </p:blipFill>
@@ -6061,7 +6897,7 @@
           <a:lstStyle/>
           <a:p>
             <a:r>
-              <a:rPr lang="hu-HU" b="1">
+              <a:rPr lang="hu-HU" b="1" dirty="0">
                 <a:solidFill>
                   <a:srgbClr val="000000"/>
                 </a:solidFill>
@@ -6086,7 +6922,7 @@
           <p:nvPr/>
         </p:nvPicPr>
         <p:blipFill>
-          <a:blip r:embed="rId3"/>
+          <a:blip r:embed="rId4"/>
           <a:stretch>
             <a:fillRect/>
           </a:stretch>
@@ -6117,7 +6953,7 @@
           <p:nvPr/>
         </p:nvPicPr>
         <p:blipFill>
-          <a:blip r:embed="rId4"/>
+          <a:blip r:embed="rId5"/>
           <a:stretch>
             <a:fillRect/>
           </a:stretch>
@@ -6148,7 +6984,7 @@
           <p:nvPr/>
         </p:nvPicPr>
         <p:blipFill>
-          <a:blip r:embed="rId5"/>
+          <a:blip r:embed="rId6"/>
           <a:stretch>
             <a:fillRect/>
           </a:stretch>
@@ -6273,7 +7109,7 @@
                   <a:spcPts val="600"/>
                 </a:spcAft>
               </a:pPr>
-              <a:t>5/9/2023</a:t>
+              <a:t>6/2/2023</a:t>
             </a:fld>
             <a:endParaRPr lang="en-US">
               <a:effectLst>
@@ -6407,6 +7243,18 @@
   <p:clrMapOvr>
     <a:masterClrMapping/>
   </p:clrMapOvr>
+  <mc:AlternateContent xmlns:mc="http://schemas.openxmlformats.org/markup-compatibility/2006">
+    <mc:Choice xmlns:p14="http://schemas.microsoft.com/office/powerpoint/2010/main" Requires="p14">
+      <p:transition spd="slow" p14:dur="1500">
+        <p:split orient="vert"/>
+      </p:transition>
+    </mc:Choice>
+    <mc:Fallback>
+      <p:transition spd="slow">
+        <p:split orient="vert"/>
+      </p:transition>
+    </mc:Fallback>
+  </mc:AlternateContent>
 </p:sld>
 </file>
 
@@ -6442,7 +7290,7 @@
           <p:nvPr/>
         </p:nvPicPr>
         <p:blipFill rotWithShape="1">
-          <a:blip r:embed="rId2"/>
+          <a:blip r:embed="rId3"/>
           <a:srcRect b="15730"/>
           <a:stretch/>
         </p:blipFill>
@@ -6478,10 +7326,8 @@
           <a:bodyPr/>
           <a:lstStyle/>
           <a:p>
-            <a:r>
-              <a:rPr lang="hu-HU" dirty="0"/>
-              <a:t>A programról</a:t>
-            </a:r>
+            <a:pPr algn="r"/>
+            <a:endParaRPr lang="hu-HU" dirty="0"/>
           </a:p>
         </p:txBody>
       </p:sp>
@@ -6508,12 +7354,6 @@
           </a:bodyPr>
           <a:lstStyle/>
           <a:p>
-            <a:r>
-              <a:rPr lang="hu-HU" dirty="0"/>
-              <a:t>Lehet keresni </a:t>
-            </a:r>
-          </a:p>
-          <a:p>
             <a:endParaRPr lang="hu-HU" dirty="0"/>
           </a:p>
           <a:p>
@@ -6526,10 +7366,10 @@
       </p:sp>
       <p:pic>
         <p:nvPicPr>
-          <p:cNvPr id="6" name="Kép 6">
-            <a:extLst>
-              <a:ext uri="{FF2B5EF4-FFF2-40B4-BE49-F238E27FC236}">
-                <a16:creationId xmlns:a16="http://schemas.microsoft.com/office/drawing/2014/main" id="{D841D96C-6556-8997-D439-0429D200BE21}"/>
+          <p:cNvPr id="4" name="Kép 6" descr="A képen Webhely látható&#10;&#10;Automatikusan generált leírás">
+            <a:extLst>
+              <a:ext uri="{FF2B5EF4-FFF2-40B4-BE49-F238E27FC236}">
+                <a16:creationId xmlns:a16="http://schemas.microsoft.com/office/drawing/2014/main" id="{D90B01D0-B835-706B-A815-C1005B07485F}"/>
               </a:ext>
             </a:extLst>
           </p:cNvPr>
@@ -6539,15 +7379,15 @@
           <p:nvPr/>
         </p:nvPicPr>
         <p:blipFill>
-          <a:blip r:embed="rId3"/>
+          <a:blip r:embed="rId4"/>
           <a:stretch>
             <a:fillRect/>
           </a:stretch>
         </p:blipFill>
         <p:spPr>
           <a:xfrm>
-            <a:off x="2340429" y="3229701"/>
-            <a:ext cx="7500256" cy="3403056"/>
+            <a:off x="618067" y="261516"/>
+            <a:ext cx="10765271" cy="6504118"/>
           </a:xfrm>
           <a:prstGeom prst="rect">
             <a:avLst/>
@@ -6557,13 +7397,16 @@
     </p:spTree>
     <p:extLst>
       <p:ext uri="{BB962C8B-B14F-4D97-AF65-F5344CB8AC3E}">
-        <p14:creationId xmlns:p14="http://schemas.microsoft.com/office/powerpoint/2010/main" val="3803483756"/>
+        <p14:creationId xmlns:p14="http://schemas.microsoft.com/office/powerpoint/2010/main" val="3270197345"/>
       </p:ext>
     </p:extLst>
   </p:cSld>
   <p:clrMapOvr>
     <a:masterClrMapping/>
   </p:clrMapOvr>
+  <p:transition spd="slow">
+    <p:wipe/>
+  </p:transition>
 </p:sld>
 </file>
 
@@ -6599,7 +7442,7 @@
           <p:nvPr/>
         </p:nvPicPr>
         <p:blipFill rotWithShape="1">
-          <a:blip r:embed="rId2"/>
+          <a:blip r:embed="rId3"/>
           <a:srcRect b="15730"/>
           <a:stretch/>
         </p:blipFill>
@@ -6614,82 +7457,12 @@
           <a:noFill/>
         </p:spPr>
       </p:pic>
-      <p:sp>
-        <p:nvSpPr>
-          <p:cNvPr id="2" name="Cím 1">
-            <a:extLst>
-              <a:ext uri="{FF2B5EF4-FFF2-40B4-BE49-F238E27FC236}">
-                <a16:creationId xmlns:a16="http://schemas.microsoft.com/office/drawing/2014/main" id="{AD1EB4B4-59AE-E959-9393-EF1D49E6E02B}"/>
-              </a:ext>
-            </a:extLst>
-          </p:cNvPr>
-          <p:cNvSpPr>
-            <a:spLocks noGrp="1"/>
-          </p:cNvSpPr>
-          <p:nvPr>
-            <p:ph type="title"/>
-          </p:nvPr>
-        </p:nvSpPr>
-        <p:spPr/>
-        <p:txBody>
-          <a:bodyPr/>
-          <a:lstStyle/>
-          <a:p>
-            <a:r>
-              <a:rPr lang="hu-HU" dirty="0"/>
-              <a:t>A programról</a:t>
-            </a:r>
-          </a:p>
-        </p:txBody>
-      </p:sp>
-      <p:sp>
-        <p:nvSpPr>
-          <p:cNvPr id="3" name="Tartalom helye 2">
-            <a:extLst>
-              <a:ext uri="{FF2B5EF4-FFF2-40B4-BE49-F238E27FC236}">
-                <a16:creationId xmlns:a16="http://schemas.microsoft.com/office/drawing/2014/main" id="{FD373ABE-6350-95E1-67CD-CAA377FC8B93}"/>
-              </a:ext>
-            </a:extLst>
-          </p:cNvPr>
-          <p:cNvSpPr>
-            <a:spLocks noGrp="1"/>
-          </p:cNvSpPr>
-          <p:nvPr>
-            <p:ph idx="1"/>
-          </p:nvPr>
-        </p:nvSpPr>
-        <p:spPr/>
-        <p:txBody>
-          <a:bodyPr vert="horz" lIns="91440" tIns="45720" rIns="91440" bIns="45720" rtlCol="0" anchor="t">
-            <a:normAutofit/>
-          </a:bodyPr>
-          <a:lstStyle/>
-          <a:p>
-            <a:pPr marL="0" indent="0">
-              <a:buNone/>
-            </a:pPr>
-            <a:r>
-              <a:rPr lang="hu-HU" dirty="0"/>
-              <a:t>Meglehet tekinteni a régi filmekhez tartozó közreműködőket</a:t>
-            </a:r>
-          </a:p>
-          <a:p>
-            <a:endParaRPr lang="hu-HU" dirty="0"/>
-          </a:p>
-          <a:p>
-            <a:endParaRPr lang="hu-HU" dirty="0"/>
-          </a:p>
-          <a:p>
-            <a:endParaRPr lang="hu-HU" dirty="0"/>
-          </a:p>
-        </p:txBody>
-      </p:sp>
       <p:pic>
         <p:nvPicPr>
-          <p:cNvPr id="4" name="Kép 6" descr="A képen Webhely látható&#10;&#10;Automatikusan generált leírás">
-            <a:extLst>
-              <a:ext uri="{FF2B5EF4-FFF2-40B4-BE49-F238E27FC236}">
-                <a16:creationId xmlns:a16="http://schemas.microsoft.com/office/drawing/2014/main" id="{D90B01D0-B835-706B-A815-C1005B07485F}"/>
+          <p:cNvPr id="6" name="Kép 6" descr="A képen diagram látható&#10;&#10;Automatikusan generált leírás">
+            <a:extLst>
+              <a:ext uri="{FF2B5EF4-FFF2-40B4-BE49-F238E27FC236}">
+                <a16:creationId xmlns:a16="http://schemas.microsoft.com/office/drawing/2014/main" id="{8C841F43-3EC2-8C89-CBB1-CF7BC5692593}"/>
               </a:ext>
             </a:extLst>
           </p:cNvPr>
@@ -6699,15 +7472,100 @@
           <p:nvPr/>
         </p:nvPicPr>
         <p:blipFill>
-          <a:blip r:embed="rId3"/>
+          <a:blip r:embed="rId4"/>
           <a:stretch>
             <a:fillRect/>
           </a:stretch>
         </p:blipFill>
         <p:spPr>
           <a:xfrm>
-            <a:off x="2775858" y="2767548"/>
-            <a:ext cx="6585855" cy="3979015"/>
+            <a:off x="3173185" y="2752848"/>
+            <a:ext cx="6171594" cy="4049774"/>
+          </a:xfrm>
+          <a:prstGeom prst="rect">
+            <a:avLst/>
+          </a:prstGeom>
+        </p:spPr>
+      </p:pic>
+      <p:sp>
+        <p:nvSpPr>
+          <p:cNvPr id="2" name="Cím 1">
+            <a:extLst>
+              <a:ext uri="{FF2B5EF4-FFF2-40B4-BE49-F238E27FC236}">
+                <a16:creationId xmlns:a16="http://schemas.microsoft.com/office/drawing/2014/main" id="{AD1EB4B4-59AE-E959-9393-EF1D49E6E02B}"/>
+              </a:ext>
+            </a:extLst>
+          </p:cNvPr>
+          <p:cNvSpPr>
+            <a:spLocks noGrp="1"/>
+          </p:cNvSpPr>
+          <p:nvPr>
+            <p:ph type="title"/>
+          </p:nvPr>
+        </p:nvSpPr>
+        <p:spPr/>
+        <p:txBody>
+          <a:bodyPr/>
+          <a:lstStyle/>
+          <a:p>
+            <a:endParaRPr lang="hu-HU" dirty="0"/>
+          </a:p>
+        </p:txBody>
+      </p:sp>
+      <p:sp>
+        <p:nvSpPr>
+          <p:cNvPr id="3" name="Tartalom helye 2">
+            <a:extLst>
+              <a:ext uri="{FF2B5EF4-FFF2-40B4-BE49-F238E27FC236}">
+                <a16:creationId xmlns:a16="http://schemas.microsoft.com/office/drawing/2014/main" id="{FD373ABE-6350-95E1-67CD-CAA377FC8B93}"/>
+              </a:ext>
+            </a:extLst>
+          </p:cNvPr>
+          <p:cNvSpPr>
+            <a:spLocks noGrp="1"/>
+          </p:cNvSpPr>
+          <p:nvPr>
+            <p:ph idx="1"/>
+          </p:nvPr>
+        </p:nvSpPr>
+        <p:spPr/>
+        <p:txBody>
+          <a:bodyPr vert="horz" lIns="91440" tIns="45720" rIns="91440" bIns="45720" rtlCol="0" anchor="t">
+            <a:normAutofit/>
+          </a:bodyPr>
+          <a:lstStyle/>
+          <a:p>
+            <a:endParaRPr lang="hu-HU" dirty="0"/>
+          </a:p>
+          <a:p>
+            <a:endParaRPr lang="hu-HU" dirty="0"/>
+          </a:p>
+        </p:txBody>
+      </p:sp>
+      <p:pic>
+        <p:nvPicPr>
+          <p:cNvPr id="7" name="Kép 7" descr="A képen szöveg látható&#10;&#10;Automatikusan generált leírás">
+            <a:extLst>
+              <a:ext uri="{FF2B5EF4-FFF2-40B4-BE49-F238E27FC236}">
+                <a16:creationId xmlns:a16="http://schemas.microsoft.com/office/drawing/2014/main" id="{92E4CA1B-57EE-B8CB-4680-9FF4B2941D6A}"/>
+              </a:ext>
+            </a:extLst>
+          </p:cNvPr>
+          <p:cNvPicPr>
+            <a:picLocks noChangeAspect="1"/>
+          </p:cNvPicPr>
+          <p:nvPr/>
+        </p:nvPicPr>
+        <p:blipFill>
+          <a:blip r:embed="rId5"/>
+          <a:stretch>
+            <a:fillRect/>
+          </a:stretch>
+        </p:blipFill>
+        <p:spPr>
+          <a:xfrm>
+            <a:off x="1990763" y="55378"/>
+            <a:ext cx="8208451" cy="2597912"/>
           </a:xfrm>
           <a:prstGeom prst="rect">
             <a:avLst/>
@@ -6717,13 +7575,16 @@
     </p:spTree>
     <p:extLst>
       <p:ext uri="{BB962C8B-B14F-4D97-AF65-F5344CB8AC3E}">
-        <p14:creationId xmlns:p14="http://schemas.microsoft.com/office/powerpoint/2010/main" val="3270197345"/>
+        <p14:creationId xmlns:p14="http://schemas.microsoft.com/office/powerpoint/2010/main" val="2414570874"/>
       </p:ext>
     </p:extLst>
   </p:cSld>
   <p:clrMapOvr>
     <a:masterClrMapping/>
   </p:clrMapOvr>
+  <p:transition spd="slow">
+    <p:wipe/>
+  </p:transition>
 </p:sld>
 </file>
 
@@ -6746,10 +7607,10 @@
       </p:grpSpPr>
       <p:pic>
         <p:nvPicPr>
-          <p:cNvPr id="5" name="Picture 3" descr="Topview mentazöld zöld munkaterület (laptop, kávé, jegyzetfüzet, toll, szemüveg és egér)">
-            <a:extLst>
-              <a:ext uri="{FF2B5EF4-FFF2-40B4-BE49-F238E27FC236}">
-                <a16:creationId xmlns:a16="http://schemas.microsoft.com/office/drawing/2014/main" id="{F699C7D1-9700-E4DD-9BC7-69209DB6ECB8}"/>
+          <p:cNvPr id="4" name="Picture 3" descr="Topview mentazöld zöld munkaterület (laptop, kávé, jegyzetfüzet, toll, szemüveg és egér)">
+            <a:extLst>
+              <a:ext uri="{FF2B5EF4-FFF2-40B4-BE49-F238E27FC236}">
+                <a16:creationId xmlns:a16="http://schemas.microsoft.com/office/drawing/2014/main" id="{38A43663-ACCC-4224-9B47-74478DFD9AA5}"/>
               </a:ext>
             </a:extLst>
           </p:cNvPr>
@@ -6759,13 +7620,13 @@
           <p:nvPr/>
         </p:nvPicPr>
         <p:blipFill rotWithShape="1">
-          <a:blip r:embed="rId2"/>
+          <a:blip r:embed="rId3"/>
           <a:srcRect b="15730"/>
           <a:stretch/>
         </p:blipFill>
         <p:spPr>
           <a:xfrm>
-            <a:off x="857" y="1430"/>
+            <a:off x="0" y="-4154"/>
             <a:ext cx="12188265" cy="6862154"/>
           </a:xfrm>
           <a:prstGeom prst="rect">
@@ -6779,7 +7640,7 @@
           <p:cNvPr id="2" name="Cím 1">
             <a:extLst>
               <a:ext uri="{FF2B5EF4-FFF2-40B4-BE49-F238E27FC236}">
-                <a16:creationId xmlns:a16="http://schemas.microsoft.com/office/drawing/2014/main" id="{AD1EB4B4-59AE-E959-9393-EF1D49E6E02B}"/>
+                <a16:creationId xmlns:a16="http://schemas.microsoft.com/office/drawing/2014/main" id="{C2360B66-5FA0-47F1-8040-5A93F9D11C1A}"/>
               </a:ext>
             </a:extLst>
           </p:cNvPr>
@@ -6795,133 +7656,58 @@
           <a:bodyPr/>
           <a:lstStyle/>
           <a:p>
-            <a:r>
-              <a:rPr lang="hu-HU" dirty="0"/>
-              <a:t>A programról</a:t>
-            </a:r>
-          </a:p>
-        </p:txBody>
-      </p:sp>
-      <p:sp>
-        <p:nvSpPr>
-          <p:cNvPr id="3" name="Tartalom helye 2">
-            <a:extLst>
-              <a:ext uri="{FF2B5EF4-FFF2-40B4-BE49-F238E27FC236}">
-                <a16:creationId xmlns:a16="http://schemas.microsoft.com/office/drawing/2014/main" id="{FD373ABE-6350-95E1-67CD-CAA377FC8B93}"/>
-              </a:ext>
-            </a:extLst>
-          </p:cNvPr>
-          <p:cNvSpPr>
-            <a:spLocks noGrp="1"/>
-          </p:cNvSpPr>
-          <p:nvPr>
-            <p:ph idx="1"/>
-          </p:nvPr>
-        </p:nvSpPr>
-        <p:spPr/>
-        <p:txBody>
-          <a:bodyPr vert="horz" lIns="91440" tIns="45720" rIns="91440" bIns="45720" rtlCol="0" anchor="t">
-            <a:normAutofit/>
-          </a:bodyPr>
-          <a:lstStyle/>
-          <a:p>
-            <a:pPr marL="0" indent="0">
-              <a:buNone/>
-            </a:pPr>
-            <a:r>
-              <a:rPr lang="hu-HU" dirty="0"/>
-              <a:t>Ahhoz hogy bemenjünk a </a:t>
-            </a:r>
-            <a:r>
-              <a:rPr lang="hu-HU" dirty="0" err="1"/>
-              <a:t>szerkeztő</a:t>
-            </a:r>
-            <a:r>
-              <a:rPr lang="hu-HU" dirty="0"/>
-              <a:t> felületbe be kell regisztrálni és ezt tudatja velünk a program is.</a:t>
-            </a:r>
-          </a:p>
-          <a:p>
-            <a:endParaRPr lang="hu-HU" dirty="0"/>
-          </a:p>
-          <a:p>
-            <a:endParaRPr lang="hu-HU" dirty="0"/>
-          </a:p>
-          <a:p>
-            <a:endParaRPr lang="hu-HU" dirty="0"/>
+            <a:endParaRPr lang="hu-HU"/>
           </a:p>
         </p:txBody>
       </p:sp>
       <p:pic>
         <p:nvPicPr>
-          <p:cNvPr id="6" name="Kép 6" descr="A képen szöveg látható&#10;&#10;Automatikusan generált leírás">
-            <a:extLst>
-              <a:ext uri="{FF2B5EF4-FFF2-40B4-BE49-F238E27FC236}">
-                <a16:creationId xmlns:a16="http://schemas.microsoft.com/office/drawing/2014/main" id="{C85923AA-F413-11D7-EA1B-2B795F11CB3F}"/>
+          <p:cNvPr id="6" name="Tartalom helye 5">
+            <a:extLst>
+              <a:ext uri="{FF2B5EF4-FFF2-40B4-BE49-F238E27FC236}">
+                <a16:creationId xmlns:a16="http://schemas.microsoft.com/office/drawing/2014/main" id="{A43A3B3A-0438-4550-A440-AB98425FF340}"/>
               </a:ext>
             </a:extLst>
           </p:cNvPr>
           <p:cNvPicPr>
-            <a:picLocks noChangeAspect="1"/>
+            <a:picLocks noGrp="1" noChangeAspect="1"/>
           </p:cNvPicPr>
-          <p:nvPr/>
+          <p:nvPr>
+            <p:ph idx="1"/>
+          </p:nvPr>
         </p:nvPicPr>
         <p:blipFill>
-          <a:blip r:embed="rId3"/>
+          <a:blip r:embed="rId4">
+            <a:extLst>
+              <a:ext uri="{28A0092B-C50C-407E-A947-70E740481C1C}">
+                <a14:useLocalDpi xmlns:a14="http://schemas.microsoft.com/office/drawing/2010/main" val="0"/>
+              </a:ext>
+            </a:extLst>
+          </a:blip>
           <a:stretch>
             <a:fillRect/>
           </a:stretch>
         </p:blipFill>
         <p:spPr>
           <a:xfrm>
-            <a:off x="2100943" y="3432253"/>
-            <a:ext cx="3505200" cy="1637236"/>
+            <a:off x="3008785" y="4182"/>
+            <a:ext cx="5957417" cy="6845482"/>
           </a:xfrm>
-          <a:prstGeom prst="rect">
-            <a:avLst/>
-          </a:prstGeom>
-        </p:spPr>
-      </p:pic>
-      <p:pic>
-        <p:nvPicPr>
-          <p:cNvPr id="7" name="Kép 7" descr="A képen szöveg látható&#10;&#10;Automatikusan generált leírás">
-            <a:extLst>
-              <a:ext uri="{FF2B5EF4-FFF2-40B4-BE49-F238E27FC236}">
-                <a16:creationId xmlns:a16="http://schemas.microsoft.com/office/drawing/2014/main" id="{0E276C07-915B-1031-5E04-80AF8C1367A0}"/>
-              </a:ext>
-            </a:extLst>
-          </p:cNvPr>
-          <p:cNvPicPr>
-            <a:picLocks noChangeAspect="1"/>
-          </p:cNvPicPr>
-          <p:nvPr/>
-        </p:nvPicPr>
-        <p:blipFill>
-          <a:blip r:embed="rId4"/>
-          <a:stretch>
-            <a:fillRect/>
-          </a:stretch>
-        </p:blipFill>
-        <p:spPr>
-          <a:xfrm>
-            <a:off x="6520542" y="3432033"/>
-            <a:ext cx="4397829" cy="1343762"/>
-          </a:xfrm>
-          <a:prstGeom prst="rect">
-            <a:avLst/>
-          </a:prstGeom>
         </p:spPr>
       </p:pic>
     </p:spTree>
     <p:extLst>
       <p:ext uri="{BB962C8B-B14F-4D97-AF65-F5344CB8AC3E}">
-        <p14:creationId xmlns:p14="http://schemas.microsoft.com/office/powerpoint/2010/main" val="1180948143"/>
+        <p14:creationId xmlns:p14="http://schemas.microsoft.com/office/powerpoint/2010/main" val="2371143293"/>
       </p:ext>
     </p:extLst>
   </p:cSld>
   <p:clrMapOvr>
     <a:masterClrMapping/>
   </p:clrMapOvr>
+  <p:transition spd="slow">
+    <p:wipe/>
+  </p:transition>
 </p:sld>
 </file>
 
@@ -6944,10 +7730,10 @@
       </p:grpSpPr>
       <p:pic>
         <p:nvPicPr>
-          <p:cNvPr id="5" name="Picture 3" descr="Topview mentazöld zöld munkaterület (laptop, kávé, jegyzetfüzet, toll, szemüveg és egér)">
-            <a:extLst>
-              <a:ext uri="{FF2B5EF4-FFF2-40B4-BE49-F238E27FC236}">
-                <a16:creationId xmlns:a16="http://schemas.microsoft.com/office/drawing/2014/main" id="{F699C7D1-9700-E4DD-9BC7-69209DB6ECB8}"/>
+          <p:cNvPr id="8" name="Picture 3" descr="Topview mentazöld zöld munkaterület (laptop, kávé, jegyzetfüzet, toll, szemüveg és egér)">
+            <a:extLst>
+              <a:ext uri="{FF2B5EF4-FFF2-40B4-BE49-F238E27FC236}">
+                <a16:creationId xmlns:a16="http://schemas.microsoft.com/office/drawing/2014/main" id="{FA30EB71-9162-4F9B-85E0-73CDFB59CB92}"/>
               </a:ext>
             </a:extLst>
           </p:cNvPr>
@@ -6957,19 +7743,59 @@
           <p:nvPr/>
         </p:nvPicPr>
         <p:blipFill rotWithShape="1">
-          <a:blip r:embed="rId2"/>
+          <a:blip r:embed="rId2">
+            <a:alphaModFix amt="50000"/>
+            <a:duotone>
+              <a:prstClr val="black"/>
+              <a:schemeClr val="tx2">
+                <a:tint val="45000"/>
+                <a:satMod val="400000"/>
+              </a:schemeClr>
+            </a:duotone>
+            <a:extLst>
+              <a:ext uri="{BEBA8EAE-BF5A-486C-A8C5-ECC9F3942E4B}">
+                <a14:imgProps xmlns:a14="http://schemas.microsoft.com/office/drawing/2010/main">
+                  <a14:imgLayer r:embed="rId3">
+                    <a14:imgEffect>
+                      <a14:sharpenSoften amount="1000"/>
+                    </a14:imgEffect>
+                    <a14:imgEffect>
+                      <a14:saturation sat="0"/>
+                    </a14:imgEffect>
+                  </a14:imgLayer>
+                </a14:imgProps>
+              </a:ext>
+            </a:extLst>
+          </a:blip>
           <a:srcRect b="15730"/>
           <a:stretch/>
         </p:blipFill>
         <p:spPr>
           <a:xfrm>
-            <a:off x="857" y="1430"/>
-            <a:ext cx="12188265" cy="6862154"/>
+            <a:off x="131890" y="11"/>
+            <a:ext cx="12191979" cy="6857989"/>
           </a:xfrm>
           <a:prstGeom prst="rect">
             <a:avLst/>
           </a:prstGeom>
-          <a:noFill/>
+          <a:solidFill>
+            <a:srgbClr val="000000">
+              <a:shade val="95000"/>
+            </a:srgbClr>
+          </a:solidFill>
+          <a:ln w="444500" cap="sq">
+            <a:solidFill>
+              <a:srgbClr val="000000"/>
+            </a:solidFill>
+            <a:miter lim="800000"/>
+          </a:ln>
+          <a:effectLst>
+            <a:outerShdw blurRad="254000" dist="190500" dir="2700000" sy="90000" algn="bl" rotWithShape="0">
+              <a:srgbClr val="000000">
+                <a:alpha val="40000"/>
+              </a:srgbClr>
+            </a:outerShdw>
+          </a:effectLst>
         </p:spPr>
       </p:pic>
       <p:sp>
@@ -6977,7 +7803,7 @@
           <p:cNvPr id="2" name="Cím 1">
             <a:extLst>
               <a:ext uri="{FF2B5EF4-FFF2-40B4-BE49-F238E27FC236}">
-                <a16:creationId xmlns:a16="http://schemas.microsoft.com/office/drawing/2014/main" id="{AD1EB4B4-59AE-E959-9393-EF1D49E6E02B}"/>
+                <a16:creationId xmlns:a16="http://schemas.microsoft.com/office/drawing/2014/main" id="{D0CF89DC-5BB7-41DE-A893-16BFF40AF7CE}"/>
               </a:ext>
             </a:extLst>
           </p:cNvPr>
@@ -6988,322 +7814,54 @@
             <p:ph type="title"/>
           </p:nvPr>
         </p:nvSpPr>
-        <p:spPr/>
+        <p:spPr>
+          <a:xfrm>
+            <a:off x="915299" y="2707698"/>
+            <a:ext cx="10357666" cy="1438450"/>
+          </a:xfrm>
+        </p:spPr>
         <p:txBody>
           <a:bodyPr/>
           <a:lstStyle/>
           <a:p>
-            <a:r>
+            <a:pPr algn="ctr"/>
+            <a:r>
+              <a:rPr lang="hu-HU" dirty="0">
+                <a:solidFill>
+                  <a:schemeClr val="bg1"/>
+                </a:solidFill>
+              </a:rPr>
+              <a:t>Köszönöm  a Figyelmet!</a:t>
+            </a:r>
+            <a:br>
               <a:rPr lang="hu-HU" dirty="0"/>
-              <a:t>A programról</a:t>
-            </a:r>
-          </a:p>
-        </p:txBody>
-      </p:sp>
-      <p:sp>
-        <p:nvSpPr>
-          <p:cNvPr id="3" name="Tartalom helye 2">
-            <a:extLst>
-              <a:ext uri="{FF2B5EF4-FFF2-40B4-BE49-F238E27FC236}">
-                <a16:creationId xmlns:a16="http://schemas.microsoft.com/office/drawing/2014/main" id="{FD373ABE-6350-95E1-67CD-CAA377FC8B93}"/>
-              </a:ext>
-            </a:extLst>
-          </p:cNvPr>
-          <p:cNvSpPr>
-            <a:spLocks noGrp="1"/>
-          </p:cNvSpPr>
-          <p:nvPr>
-            <p:ph idx="1"/>
-          </p:nvPr>
-        </p:nvSpPr>
-        <p:spPr/>
-        <p:txBody>
-          <a:bodyPr vert="horz" lIns="91440" tIns="45720" rIns="91440" bIns="45720" rtlCol="0" anchor="t">
-            <a:normAutofit/>
-          </a:bodyPr>
-          <a:lstStyle/>
-          <a:p>
-            <a:pPr marL="0" indent="0">
-              <a:buNone/>
-            </a:pPr>
-            <a:r>
-              <a:rPr lang="hu-HU" dirty="0"/>
-              <a:t>A </a:t>
-            </a:r>
-            <a:r>
-              <a:rPr lang="hu-HU" dirty="0" err="1"/>
-              <a:t>szerkeztő</a:t>
-            </a:r>
-            <a:r>
-              <a:rPr lang="hu-HU" dirty="0"/>
-              <a:t> felületben tudunk hozzáadni, </a:t>
-            </a:r>
-            <a:r>
-              <a:rPr lang="hu-HU" dirty="0" err="1"/>
-              <a:t>szerkezteni</a:t>
-            </a:r>
-            <a:r>
-              <a:rPr lang="hu-HU" dirty="0"/>
-              <a:t> vagy esetleg törölni egy adott filmet. És a hozzá tartozó közreműködőket is tudjuk </a:t>
-            </a:r>
-            <a:r>
-              <a:rPr lang="hu-HU" dirty="0" err="1"/>
-              <a:t>szerkezteni</a:t>
-            </a:r>
-            <a:r>
-              <a:rPr lang="hu-HU" dirty="0"/>
-              <a:t>.</a:t>
-            </a:r>
-          </a:p>
-          <a:p>
+            </a:br>
             <a:endParaRPr lang="hu-HU" dirty="0"/>
           </a:p>
-          <a:p>
-            <a:endParaRPr lang="hu-HU" dirty="0"/>
-          </a:p>
-          <a:p>
-            <a:endParaRPr lang="hu-HU" dirty="0"/>
-          </a:p>
-        </p:txBody>
-      </p:sp>
-      <p:pic>
-        <p:nvPicPr>
-          <p:cNvPr id="4" name="Kép 7">
-            <a:extLst>
-              <a:ext uri="{FF2B5EF4-FFF2-40B4-BE49-F238E27FC236}">
-                <a16:creationId xmlns:a16="http://schemas.microsoft.com/office/drawing/2014/main" id="{83C1B753-3A52-0D99-11FD-A457E2C0AA98}"/>
-              </a:ext>
-            </a:extLst>
-          </p:cNvPr>
-          <p:cNvPicPr>
-            <a:picLocks noChangeAspect="1"/>
-          </p:cNvPicPr>
-          <p:nvPr/>
-        </p:nvPicPr>
-        <p:blipFill>
-          <a:blip r:embed="rId3"/>
-          <a:stretch>
-            <a:fillRect/>
-          </a:stretch>
-        </p:blipFill>
-        <p:spPr>
-          <a:xfrm>
-            <a:off x="3254829" y="2938602"/>
-            <a:ext cx="5159828" cy="3713109"/>
-          </a:xfrm>
-          <a:prstGeom prst="rect">
-            <a:avLst/>
-          </a:prstGeom>
-        </p:spPr>
-      </p:pic>
+        </p:txBody>
+      </p:sp>
     </p:spTree>
     <p:extLst>
       <p:ext uri="{BB962C8B-B14F-4D97-AF65-F5344CB8AC3E}">
-        <p14:creationId xmlns:p14="http://schemas.microsoft.com/office/powerpoint/2010/main" val="2754558990"/>
+        <p14:creationId xmlns:p14="http://schemas.microsoft.com/office/powerpoint/2010/main" val="2858241488"/>
       </p:ext>
     </p:extLst>
   </p:cSld>
   <p:clrMapOvr>
     <a:masterClrMapping/>
   </p:clrMapOvr>
-</p:sld>
-</file>
-
-<file path=ppt/slides/slide7.xml><?xml version="1.0" encoding="utf-8"?>
-<p:sld xmlns:a="http://schemas.openxmlformats.org/drawingml/2006/main" xmlns:r="http://schemas.openxmlformats.org/officeDocument/2006/relationships" xmlns:p="http://schemas.openxmlformats.org/presentationml/2006/main">
-  <p:cSld>
-    <p:spTree>
-      <p:nvGrpSpPr>
-        <p:cNvPr id="1" name=""/>
-        <p:cNvGrpSpPr/>
-        <p:nvPr/>
-      </p:nvGrpSpPr>
-      <p:grpSpPr>
-        <a:xfrm>
-          <a:off x="0" y="0"/>
-          <a:ext cx="0" cy="0"/>
-          <a:chOff x="0" y="0"/>
-          <a:chExt cx="0" cy="0"/>
-        </a:xfrm>
-      </p:grpSpPr>
-      <p:pic>
-        <p:nvPicPr>
-          <p:cNvPr id="5" name="Picture 3" descr="Topview mentazöld zöld munkaterület (laptop, kávé, jegyzetfüzet, toll, szemüveg és egér)">
-            <a:extLst>
-              <a:ext uri="{FF2B5EF4-FFF2-40B4-BE49-F238E27FC236}">
-                <a16:creationId xmlns:a16="http://schemas.microsoft.com/office/drawing/2014/main" id="{F699C7D1-9700-E4DD-9BC7-69209DB6ECB8}"/>
-              </a:ext>
-            </a:extLst>
-          </p:cNvPr>
-          <p:cNvPicPr>
-            <a:picLocks noChangeAspect="1"/>
-          </p:cNvPicPr>
-          <p:nvPr/>
-        </p:nvPicPr>
-        <p:blipFill rotWithShape="1">
-          <a:blip r:embed="rId2"/>
-          <a:srcRect b="15730"/>
-          <a:stretch/>
-        </p:blipFill>
-        <p:spPr>
-          <a:xfrm>
-            <a:off x="857" y="1430"/>
-            <a:ext cx="12188265" cy="6862154"/>
-          </a:xfrm>
-          <a:prstGeom prst="rect">
-            <a:avLst/>
-          </a:prstGeom>
-          <a:noFill/>
-        </p:spPr>
-      </p:pic>
-      <p:pic>
-        <p:nvPicPr>
-          <p:cNvPr id="6" name="Kép 6" descr="A képen diagram látható&#10;&#10;Automatikusan generált leírás">
-            <a:extLst>
-              <a:ext uri="{FF2B5EF4-FFF2-40B4-BE49-F238E27FC236}">
-                <a16:creationId xmlns:a16="http://schemas.microsoft.com/office/drawing/2014/main" id="{8C841F43-3EC2-8C89-CBB1-CF7BC5692593}"/>
-              </a:ext>
-            </a:extLst>
-          </p:cNvPr>
-          <p:cNvPicPr>
-            <a:picLocks noChangeAspect="1"/>
-          </p:cNvPicPr>
-          <p:nvPr/>
-        </p:nvPicPr>
-        <p:blipFill>
-          <a:blip r:embed="rId3"/>
-          <a:stretch>
-            <a:fillRect/>
-          </a:stretch>
-        </p:blipFill>
-        <p:spPr>
-          <a:xfrm>
-            <a:off x="7271657" y="3433549"/>
-            <a:ext cx="4680856" cy="3071558"/>
-          </a:xfrm>
-          <a:prstGeom prst="rect">
-            <a:avLst/>
-          </a:prstGeom>
-        </p:spPr>
-      </p:pic>
-      <p:sp>
-        <p:nvSpPr>
-          <p:cNvPr id="2" name="Cím 1">
-            <a:extLst>
-              <a:ext uri="{FF2B5EF4-FFF2-40B4-BE49-F238E27FC236}">
-                <a16:creationId xmlns:a16="http://schemas.microsoft.com/office/drawing/2014/main" id="{AD1EB4B4-59AE-E959-9393-EF1D49E6E02B}"/>
-              </a:ext>
-            </a:extLst>
-          </p:cNvPr>
-          <p:cNvSpPr>
-            <a:spLocks noGrp="1"/>
-          </p:cNvSpPr>
-          <p:nvPr>
-            <p:ph type="title"/>
-          </p:nvPr>
-        </p:nvSpPr>
-        <p:spPr/>
-        <p:txBody>
-          <a:bodyPr/>
-          <a:lstStyle/>
-          <a:p>
-            <a:r>
-              <a:rPr lang="hu-HU" dirty="0"/>
-              <a:t>Az adatbázisról</a:t>
-            </a:r>
-          </a:p>
-        </p:txBody>
-      </p:sp>
-      <p:sp>
-        <p:nvSpPr>
-          <p:cNvPr id="3" name="Tartalom helye 2">
-            <a:extLst>
-              <a:ext uri="{FF2B5EF4-FFF2-40B4-BE49-F238E27FC236}">
-                <a16:creationId xmlns:a16="http://schemas.microsoft.com/office/drawing/2014/main" id="{FD373ABE-6350-95E1-67CD-CAA377FC8B93}"/>
-              </a:ext>
-            </a:extLst>
-          </p:cNvPr>
-          <p:cNvSpPr>
-            <a:spLocks noGrp="1"/>
-          </p:cNvSpPr>
-          <p:nvPr>
-            <p:ph idx="1"/>
-          </p:nvPr>
-        </p:nvSpPr>
-        <p:spPr/>
-        <p:txBody>
-          <a:bodyPr vert="horz" lIns="91440" tIns="45720" rIns="91440" bIns="45720" rtlCol="0" anchor="t">
-            <a:normAutofit/>
-          </a:bodyPr>
-          <a:lstStyle/>
-          <a:p>
-            <a:pPr>
-              <a:buFont typeface="Calibri" panose="020B0604020202020204" pitchFamily="34" charset="0"/>
-              <a:buChar char="-"/>
-            </a:pPr>
-            <a:r>
-              <a:rPr lang="hu-HU" dirty="0"/>
-              <a:t>Nagyrészt gyűjtő munka</a:t>
-            </a:r>
-          </a:p>
-          <a:p>
-            <a:pPr>
-              <a:buFont typeface="Calibri" panose="020B0604020202020204" pitchFamily="34" charset="0"/>
-              <a:buChar char="-"/>
-            </a:pPr>
-            <a:r>
-              <a:rPr lang="hu-HU" dirty="0"/>
-              <a:t>Egy egyszerűbb módszer használata az adatok felvitelére </a:t>
-            </a:r>
-          </a:p>
-          <a:p>
-            <a:endParaRPr lang="hu-HU" dirty="0"/>
-          </a:p>
-          <a:p>
-            <a:endParaRPr lang="hu-HU" dirty="0"/>
-          </a:p>
-        </p:txBody>
-      </p:sp>
-      <p:pic>
-        <p:nvPicPr>
-          <p:cNvPr id="7" name="Kép 7" descr="A képen szöveg látható&#10;&#10;Automatikusan generált leírás">
-            <a:extLst>
-              <a:ext uri="{FF2B5EF4-FFF2-40B4-BE49-F238E27FC236}">
-                <a16:creationId xmlns:a16="http://schemas.microsoft.com/office/drawing/2014/main" id="{92E4CA1B-57EE-B8CB-4680-9FF4B2941D6A}"/>
-              </a:ext>
-            </a:extLst>
-          </p:cNvPr>
-          <p:cNvPicPr>
-            <a:picLocks noChangeAspect="1"/>
-          </p:cNvPicPr>
-          <p:nvPr/>
-        </p:nvPicPr>
-        <p:blipFill>
-          <a:blip r:embed="rId4"/>
-          <a:stretch>
-            <a:fillRect/>
-          </a:stretch>
-        </p:blipFill>
-        <p:spPr>
-          <a:xfrm>
-            <a:off x="359229" y="4346113"/>
-            <a:ext cx="6139542" cy="1943118"/>
-          </a:xfrm>
-          <a:prstGeom prst="rect">
-            <a:avLst/>
-          </a:prstGeom>
-        </p:spPr>
-      </p:pic>
-    </p:spTree>
-    <p:extLst>
-      <p:ext uri="{BB962C8B-B14F-4D97-AF65-F5344CB8AC3E}">
-        <p14:creationId xmlns:p14="http://schemas.microsoft.com/office/powerpoint/2010/main" val="2414570874"/>
-      </p:ext>
-    </p:extLst>
-  </p:cSld>
-  <p:clrMapOvr>
-    <a:masterClrMapping/>
-  </p:clrMapOvr>
+  <mc:AlternateContent xmlns:mc="http://schemas.openxmlformats.org/markup-compatibility/2006">
+    <mc:Choice xmlns:p14="http://schemas.microsoft.com/office/powerpoint/2010/main" Requires="p14">
+      <p:transition spd="slow" p14:dur="1500">
+        <p:split orient="vert" dir="in"/>
+      </p:transition>
+    </mc:Choice>
+    <mc:Fallback>
+      <p:transition spd="slow">
+        <p:split orient="vert" dir="in"/>
+      </p:transition>
+    </mc:Fallback>
+  </mc:AlternateContent>
 </p:sld>
 </file>
 
@@ -7508,15 +8066,308 @@
 </a:theme>
 </file>
 
+<file path=ppt/theme/theme2.xml><?xml version="1.0" encoding="utf-8"?>
+<a:theme xmlns:a="http://schemas.openxmlformats.org/drawingml/2006/main" name="Office-téma">
+  <a:themeElements>
+    <a:clrScheme name="Office">
+      <a:dk1>
+        <a:sysClr val="windowText" lastClr="000000"/>
+      </a:dk1>
+      <a:lt1>
+        <a:sysClr val="window" lastClr="FFFFFF"/>
+      </a:lt1>
+      <a:dk2>
+        <a:srgbClr val="44546A"/>
+      </a:dk2>
+      <a:lt2>
+        <a:srgbClr val="E7E6E6"/>
+      </a:lt2>
+      <a:accent1>
+        <a:srgbClr val="4472C4"/>
+      </a:accent1>
+      <a:accent2>
+        <a:srgbClr val="ED7D31"/>
+      </a:accent2>
+      <a:accent3>
+        <a:srgbClr val="A5A5A5"/>
+      </a:accent3>
+      <a:accent4>
+        <a:srgbClr val="FFC000"/>
+      </a:accent4>
+      <a:accent5>
+        <a:srgbClr val="5B9BD5"/>
+      </a:accent5>
+      <a:accent6>
+        <a:srgbClr val="70AD47"/>
+      </a:accent6>
+      <a:hlink>
+        <a:srgbClr val="0563C1"/>
+      </a:hlink>
+      <a:folHlink>
+        <a:srgbClr val="954F72"/>
+      </a:folHlink>
+    </a:clrScheme>
+    <a:fontScheme name="Office">
+      <a:majorFont>
+        <a:latin typeface="Calibri Light" panose="020F0302020204030204"/>
+        <a:ea typeface=""/>
+        <a:cs typeface=""/>
+        <a:font script="Jpan" typeface="游ゴシック Light"/>
+        <a:font script="Hang" typeface="맑은 고딕"/>
+        <a:font script="Hans" typeface="等线 Light"/>
+        <a:font script="Hant" typeface="新細明體"/>
+        <a:font script="Arab" typeface="Times New Roman"/>
+        <a:font script="Hebr" typeface="Times New Roman"/>
+        <a:font script="Thai" typeface="Angsana New"/>
+        <a:font script="Ethi" typeface="Nyala"/>
+        <a:font script="Beng" typeface="Vrinda"/>
+        <a:font script="Gujr" typeface="Shruti"/>
+        <a:font script="Khmr" typeface="MoolBoran"/>
+        <a:font script="Knda" typeface="Tunga"/>
+        <a:font script="Guru" typeface="Raavi"/>
+        <a:font script="Cans" typeface="Euphemia"/>
+        <a:font script="Cher" typeface="Plantagenet Cherokee"/>
+        <a:font script="Yiii" typeface="Microsoft Yi Baiti"/>
+        <a:font script="Tibt" typeface="Microsoft Himalaya"/>
+        <a:font script="Thaa" typeface="MV Boli"/>
+        <a:font script="Deva" typeface="Mangal"/>
+        <a:font script="Telu" typeface="Gautami"/>
+        <a:font script="Taml" typeface="Latha"/>
+        <a:font script="Syrc" typeface="Estrangelo Edessa"/>
+        <a:font script="Orya" typeface="Kalinga"/>
+        <a:font script="Mlym" typeface="Kartika"/>
+        <a:font script="Laoo" typeface="DokChampa"/>
+        <a:font script="Sinh" typeface="Iskoola Pota"/>
+        <a:font script="Mong" typeface="Mongolian Baiti"/>
+        <a:font script="Viet" typeface="Times New Roman"/>
+        <a:font script="Uigh" typeface="Microsoft Uighur"/>
+        <a:font script="Geor" typeface="Sylfaen"/>
+        <a:font script="Armn" typeface="Arial"/>
+        <a:font script="Bugi" typeface="Leelawadee UI"/>
+        <a:font script="Bopo" typeface="Microsoft JhengHei"/>
+        <a:font script="Java" typeface="Javanese Text"/>
+        <a:font script="Lisu" typeface="Segoe UI"/>
+        <a:font script="Mymr" typeface="Myanmar Text"/>
+        <a:font script="Nkoo" typeface="Ebrima"/>
+        <a:font script="Olck" typeface="Nirmala UI"/>
+        <a:font script="Osma" typeface="Ebrima"/>
+        <a:font script="Phag" typeface="Phagspa"/>
+        <a:font script="Syrn" typeface="Estrangelo Edessa"/>
+        <a:font script="Syrj" typeface="Estrangelo Edessa"/>
+        <a:font script="Syre" typeface="Estrangelo Edessa"/>
+        <a:font script="Sora" typeface="Nirmala UI"/>
+        <a:font script="Tale" typeface="Microsoft Tai Le"/>
+        <a:font script="Talu" typeface="Microsoft New Tai Lue"/>
+        <a:font script="Tfng" typeface="Ebrima"/>
+      </a:majorFont>
+      <a:minorFont>
+        <a:latin typeface="Calibri" panose="020F0502020204030204"/>
+        <a:ea typeface=""/>
+        <a:cs typeface=""/>
+        <a:font script="Jpan" typeface="游ゴシック"/>
+        <a:font script="Hang" typeface="맑은 고딕"/>
+        <a:font script="Hans" typeface="等线"/>
+        <a:font script="Hant" typeface="新細明體"/>
+        <a:font script="Arab" typeface="Arial"/>
+        <a:font script="Hebr" typeface="Arial"/>
+        <a:font script="Thai" typeface="Cordia New"/>
+        <a:font script="Ethi" typeface="Nyala"/>
+        <a:font script="Beng" typeface="Vrinda"/>
+        <a:font script="Gujr" typeface="Shruti"/>
+        <a:font script="Khmr" typeface="DaunPenh"/>
+        <a:font script="Knda" typeface="Tunga"/>
+        <a:font script="Guru" typeface="Raavi"/>
+        <a:font script="Cans" typeface="Euphemia"/>
+        <a:font script="Cher" typeface="Plantagenet Cherokee"/>
+        <a:font script="Yiii" typeface="Microsoft Yi Baiti"/>
+        <a:font script="Tibt" typeface="Microsoft Himalaya"/>
+        <a:font script="Thaa" typeface="MV Boli"/>
+        <a:font script="Deva" typeface="Mangal"/>
+        <a:font script="Telu" typeface="Gautami"/>
+        <a:font script="Taml" typeface="Latha"/>
+        <a:font script="Syrc" typeface="Estrangelo Edessa"/>
+        <a:font script="Orya" typeface="Kalinga"/>
+        <a:font script="Mlym" typeface="Kartika"/>
+        <a:font script="Laoo" typeface="DokChampa"/>
+        <a:font script="Sinh" typeface="Iskoola Pota"/>
+        <a:font script="Mong" typeface="Mongolian Baiti"/>
+        <a:font script="Viet" typeface="Arial"/>
+        <a:font script="Uigh" typeface="Microsoft Uighur"/>
+        <a:font script="Geor" typeface="Sylfaen"/>
+        <a:font script="Armn" typeface="Arial"/>
+        <a:font script="Bugi" typeface="Leelawadee UI"/>
+        <a:font script="Bopo" typeface="Microsoft JhengHei"/>
+        <a:font script="Java" typeface="Javanese Text"/>
+        <a:font script="Lisu" typeface="Segoe UI"/>
+        <a:font script="Mymr" typeface="Myanmar Text"/>
+        <a:font script="Nkoo" typeface="Ebrima"/>
+        <a:font script="Olck" typeface="Nirmala UI"/>
+        <a:font script="Osma" typeface="Ebrima"/>
+        <a:font script="Phag" typeface="Phagspa"/>
+        <a:font script="Syrn" typeface="Estrangelo Edessa"/>
+        <a:font script="Syrj" typeface="Estrangelo Edessa"/>
+        <a:font script="Syre" typeface="Estrangelo Edessa"/>
+        <a:font script="Sora" typeface="Nirmala UI"/>
+        <a:font script="Tale" typeface="Microsoft Tai Le"/>
+        <a:font script="Talu" typeface="Microsoft New Tai Lue"/>
+        <a:font script="Tfng" typeface="Ebrima"/>
+      </a:minorFont>
+    </a:fontScheme>
+    <a:fmtScheme name="Office">
+      <a:fillStyleLst>
+        <a:solidFill>
+          <a:schemeClr val="phClr"/>
+        </a:solidFill>
+        <a:gradFill rotWithShape="1">
+          <a:gsLst>
+            <a:gs pos="0">
+              <a:schemeClr val="phClr">
+                <a:lumMod val="110000"/>
+                <a:satMod val="105000"/>
+                <a:tint val="67000"/>
+              </a:schemeClr>
+            </a:gs>
+            <a:gs pos="50000">
+              <a:schemeClr val="phClr">
+                <a:lumMod val="105000"/>
+                <a:satMod val="103000"/>
+                <a:tint val="73000"/>
+              </a:schemeClr>
+            </a:gs>
+            <a:gs pos="100000">
+              <a:schemeClr val="phClr">
+                <a:lumMod val="105000"/>
+                <a:satMod val="109000"/>
+                <a:tint val="81000"/>
+              </a:schemeClr>
+            </a:gs>
+          </a:gsLst>
+          <a:lin ang="5400000" scaled="0"/>
+        </a:gradFill>
+        <a:gradFill rotWithShape="1">
+          <a:gsLst>
+            <a:gs pos="0">
+              <a:schemeClr val="phClr">
+                <a:satMod val="103000"/>
+                <a:lumMod val="102000"/>
+                <a:tint val="94000"/>
+              </a:schemeClr>
+            </a:gs>
+            <a:gs pos="50000">
+              <a:schemeClr val="phClr">
+                <a:satMod val="110000"/>
+                <a:lumMod val="100000"/>
+                <a:shade val="100000"/>
+              </a:schemeClr>
+            </a:gs>
+            <a:gs pos="100000">
+              <a:schemeClr val="phClr">
+                <a:lumMod val="99000"/>
+                <a:satMod val="120000"/>
+                <a:shade val="78000"/>
+              </a:schemeClr>
+            </a:gs>
+          </a:gsLst>
+          <a:lin ang="5400000" scaled="0"/>
+        </a:gradFill>
+      </a:fillStyleLst>
+      <a:lnStyleLst>
+        <a:ln w="6350" cap="flat" cmpd="sng" algn="ctr">
+          <a:solidFill>
+            <a:schemeClr val="phClr"/>
+          </a:solidFill>
+          <a:prstDash val="solid"/>
+          <a:miter lim="800000"/>
+        </a:ln>
+        <a:ln w="12700" cap="flat" cmpd="sng" algn="ctr">
+          <a:solidFill>
+            <a:schemeClr val="phClr"/>
+          </a:solidFill>
+          <a:prstDash val="solid"/>
+          <a:miter lim="800000"/>
+        </a:ln>
+        <a:ln w="19050" cap="flat" cmpd="sng" algn="ctr">
+          <a:solidFill>
+            <a:schemeClr val="phClr"/>
+          </a:solidFill>
+          <a:prstDash val="solid"/>
+          <a:miter lim="800000"/>
+        </a:ln>
+      </a:lnStyleLst>
+      <a:effectStyleLst>
+        <a:effectStyle>
+          <a:effectLst/>
+        </a:effectStyle>
+        <a:effectStyle>
+          <a:effectLst/>
+        </a:effectStyle>
+        <a:effectStyle>
+          <a:effectLst>
+            <a:outerShdw blurRad="57150" dist="19050" dir="5400000" algn="ctr" rotWithShape="0">
+              <a:srgbClr val="000000">
+                <a:alpha val="63000"/>
+              </a:srgbClr>
+            </a:outerShdw>
+          </a:effectLst>
+        </a:effectStyle>
+      </a:effectStyleLst>
+      <a:bgFillStyleLst>
+        <a:solidFill>
+          <a:schemeClr val="phClr"/>
+        </a:solidFill>
+        <a:solidFill>
+          <a:schemeClr val="phClr">
+            <a:tint val="95000"/>
+            <a:satMod val="170000"/>
+          </a:schemeClr>
+        </a:solidFill>
+        <a:gradFill rotWithShape="1">
+          <a:gsLst>
+            <a:gs pos="0">
+              <a:schemeClr val="phClr">
+                <a:tint val="93000"/>
+                <a:satMod val="150000"/>
+                <a:shade val="98000"/>
+                <a:lumMod val="102000"/>
+              </a:schemeClr>
+            </a:gs>
+            <a:gs pos="50000">
+              <a:schemeClr val="phClr">
+                <a:tint val="98000"/>
+                <a:satMod val="130000"/>
+                <a:shade val="90000"/>
+                <a:lumMod val="103000"/>
+              </a:schemeClr>
+            </a:gs>
+            <a:gs pos="100000">
+              <a:schemeClr val="phClr">
+                <a:shade val="63000"/>
+                <a:satMod val="120000"/>
+              </a:schemeClr>
+            </a:gs>
+          </a:gsLst>
+          <a:lin ang="5400000" scaled="0"/>
+        </a:gradFill>
+      </a:bgFillStyleLst>
+    </a:fmtScheme>
+  </a:themeElements>
+  <a:objectDefaults/>
+  <a:extraClrSchemeLst/>
+  <a:extLst>
+    <a:ext uri="{05A4C25C-085E-4340-85A3-A5531E510DB2}">
+      <thm15:themeFamily xmlns:thm15="http://schemas.microsoft.com/office/thememl/2012/main" name="Office Theme" id="{62F939B6-93AF-4DB8-9C6B-D6C7DFDC589F}" vid="{4A3C46E8-61CC-4603-A589-7422A47A8E4A}"/>
+    </a:ext>
+  </a:extLst>
+</a:theme>
+</file>
+
 <file path=customXml/item1.xml><?xml version="1.0" encoding="utf-8"?>
-<p:properties xmlns:p="http://schemas.microsoft.com/office/2006/metadata/properties" xmlns:xsi="http://www.w3.org/2001/XMLSchema-instance" xmlns:pc="http://schemas.microsoft.com/office/infopath/2007/PartnerControls">
-  <documentManagement>
-    <lcf76f155ced4ddcb4097134ff3c332f xmlns="481bf36f-a7df-4bb2-a2e9-51910786e2fa">
-      <Terms xmlns="http://schemas.microsoft.com/office/infopath/2007/PartnerControls"/>
-    </lcf76f155ced4ddcb4097134ff3c332f>
-    <TaxCatchAll xmlns="56e88717-3a47-43d2-868e-dce59653826c" xsi:nil="true"/>
-  </documentManagement>
-</p:properties>
+<?mso-contentType ?>
+<FormTemplates xmlns="http://schemas.microsoft.com/sharepoint/v3/contenttype/forms">
+  <Display>DocumentLibraryForm</Display>
+  <Edit>DocumentLibraryForm</Edit>
+  <New>DocumentLibraryForm</New>
+</FormTemplates>
 </file>
 
 <file path=customXml/item2.xml><?xml version="1.0" encoding="utf-8"?>
@@ -7709,21 +8560,20 @@
 </file>
 
 <file path=customXml/item3.xml><?xml version="1.0" encoding="utf-8"?>
-<?mso-contentType ?>
-<FormTemplates xmlns="http://schemas.microsoft.com/sharepoint/v3/contenttype/forms">
-  <Display>DocumentLibraryForm</Display>
-  <Edit>DocumentLibraryForm</Edit>
-  <New>DocumentLibraryForm</New>
-</FormTemplates>
+<p:properties xmlns:p="http://schemas.microsoft.com/office/2006/metadata/properties" xmlns:xsi="http://www.w3.org/2001/XMLSchema-instance" xmlns:pc="http://schemas.microsoft.com/office/infopath/2007/PartnerControls">
+  <documentManagement>
+    <lcf76f155ced4ddcb4097134ff3c332f xmlns="481bf36f-a7df-4bb2-a2e9-51910786e2fa">
+      <Terms xmlns="http://schemas.microsoft.com/office/infopath/2007/PartnerControls"/>
+    </lcf76f155ced4ddcb4097134ff3c332f>
+    <TaxCatchAll xmlns="56e88717-3a47-43d2-868e-dce59653826c" xsi:nil="true"/>
+  </documentManagement>
+</p:properties>
 </file>
 
 <file path=customXml/itemProps1.xml><?xml version="1.0" encoding="utf-8"?>
-<ds:datastoreItem xmlns:ds="http://schemas.openxmlformats.org/officeDocument/2006/customXml" ds:itemID="{0F628473-D93A-4FBB-A214-D4AC96C8BC92}">
+<ds:datastoreItem xmlns:ds="http://schemas.openxmlformats.org/officeDocument/2006/customXml" ds:itemID="{B94A0D5A-D95A-4AE8-AB1D-B4141FD3F246}">
   <ds:schemaRefs>
-    <ds:schemaRef ds:uri="http://schemas.microsoft.com/office/2006/metadata/properties"/>
-    <ds:schemaRef ds:uri="http://schemas.microsoft.com/office/infopath/2007/PartnerControls"/>
-    <ds:schemaRef ds:uri="481bf36f-a7df-4bb2-a2e9-51910786e2fa"/>
-    <ds:schemaRef ds:uri="56e88717-3a47-43d2-868e-dce59653826c"/>
+    <ds:schemaRef ds:uri="http://schemas.microsoft.com/sharepoint/v3/contenttype/forms"/>
   </ds:schemaRefs>
 </ds:datastoreItem>
 </file>
@@ -7748,9 +8598,18 @@
 </file>
 
 <file path=customXml/itemProps3.xml><?xml version="1.0" encoding="utf-8"?>
-<ds:datastoreItem xmlns:ds="http://schemas.openxmlformats.org/officeDocument/2006/customXml" ds:itemID="{B94A0D5A-D95A-4AE8-AB1D-B4141FD3F246}">
+<ds:datastoreItem xmlns:ds="http://schemas.openxmlformats.org/officeDocument/2006/customXml" ds:itemID="{0F628473-D93A-4FBB-A214-D4AC96C8BC92}">
   <ds:schemaRefs>
-    <ds:schemaRef ds:uri="http://schemas.microsoft.com/sharepoint/v3/contenttype/forms"/>
+    <ds:schemaRef ds:uri="http://www.w3.org/XML/1998/namespace"/>
+    <ds:schemaRef ds:uri="http://purl.org/dc/terms/"/>
+    <ds:schemaRef ds:uri="http://purl.org/dc/dcmitype/"/>
+    <ds:schemaRef ds:uri="481bf36f-a7df-4bb2-a2e9-51910786e2fa"/>
+    <ds:schemaRef ds:uri="http://purl.org/dc/elements/1.1/"/>
+    <ds:schemaRef ds:uri="http://schemas.microsoft.com/office/2006/documentManagement/types"/>
+    <ds:schemaRef ds:uri="http://schemas.openxmlformats.org/package/2006/metadata/core-properties"/>
+    <ds:schemaRef ds:uri="http://schemas.microsoft.com/office/infopath/2007/PartnerControls"/>
+    <ds:schemaRef ds:uri="56e88717-3a47-43d2-868e-dce59653826c"/>
+    <ds:schemaRef ds:uri="http://schemas.microsoft.com/office/2006/metadata/properties"/>
   </ds:schemaRefs>
 </ds:datastoreItem>
 </file>